--- a/moco/moco.pptx
+++ b/moco/moco.pptx
@@ -5,7 +5,7 @@
     <p:sldMasterId id="2147483648" r:id="rId1"/>
   </p:sldMasterIdLst>
   <p:notesMasterIdLst>
-    <p:notesMasterId r:id="rId10"/>
+    <p:notesMasterId r:id="rId12"/>
   </p:notesMasterIdLst>
   <p:sldIdLst>
     <p:sldId id="413" r:id="rId2"/>
@@ -16,6 +16,8 @@
     <p:sldId id="419" r:id="rId7"/>
     <p:sldId id="420" r:id="rId8"/>
     <p:sldId id="421" r:id="rId9"/>
+    <p:sldId id="422" r:id="rId10"/>
+    <p:sldId id="423" r:id="rId11"/>
   </p:sldIdLst>
   <p:sldSz cx="12192000" cy="6858000"/>
   <p:notesSz cx="6858000" cy="9144000"/>
@@ -122,8 +124,164 @@
 </p:presentation>
 </file>
 
+<file path=ppt/revisionInfo.xml><?xml version="1.0" encoding="utf-8"?>
+<p1510:revInfo xmlns:a="http://schemas.openxmlformats.org/drawingml/2006/main" xmlns:r="http://schemas.openxmlformats.org/officeDocument/2006/relationships" xmlns:p1510="http://schemas.microsoft.com/office/powerpoint/2015/10/main">
+  <p1510:revLst>
+    <p1510:client id="{A81B6AD0-A41E-4603-9C32-BA44AECA5BE0}" v="4" dt="2024-08-19T05:11:44.940"/>
+  </p1510:revLst>
+</p1510:revInfo>
+</file>
+
 <file path=ppt/changesInfos/changesInfo1.xml><?xml version="1.0" encoding="utf-8"?>
 <pc:chgInfo xmlns:a="http://schemas.openxmlformats.org/drawingml/2006/main" xmlns:r="http://schemas.openxmlformats.org/officeDocument/2006/relationships" xmlns:ac="http://schemas.microsoft.com/office/drawing/2013/main/command" xmlns:pc="http://schemas.microsoft.com/office/powerpoint/2013/main/command">
+  <pc:docChgLst>
+    <pc:chgData name="균 영" userId="c3005608dac53a9a" providerId="LiveId" clId="{A81B6AD0-A41E-4603-9C32-BA44AECA5BE0}"/>
+    <pc:docChg chg="undo custSel addSld delSld modSld">
+      <pc:chgData name="균 영" userId="c3005608dac53a9a" providerId="LiveId" clId="{A81B6AD0-A41E-4603-9C32-BA44AECA5BE0}" dt="2024-08-19T05:38:51.913" v="792" actId="47"/>
+      <pc:docMkLst>
+        <pc:docMk/>
+      </pc:docMkLst>
+      <pc:sldChg chg="addSp delSp modSp del mod">
+        <pc:chgData name="균 영" userId="c3005608dac53a9a" providerId="LiveId" clId="{A81B6AD0-A41E-4603-9C32-BA44AECA5BE0}" dt="2024-08-19T05:38:51.913" v="792" actId="47"/>
+        <pc:sldMkLst>
+          <pc:docMk/>
+          <pc:sldMk cId="3819335846" sldId="397"/>
+        </pc:sldMkLst>
+        <pc:spChg chg="add del">
+          <ac:chgData name="균 영" userId="c3005608dac53a9a" providerId="LiveId" clId="{A81B6AD0-A41E-4603-9C32-BA44AECA5BE0}" dt="2024-08-19T05:12:19.328" v="774" actId="478"/>
+          <ac:spMkLst>
+            <pc:docMk/>
+            <pc:sldMk cId="3819335846" sldId="397"/>
+            <ac:spMk id="4" creationId="{FCE8F1B0-037E-00D2-0364-CAD8CE062417}"/>
+          </ac:spMkLst>
+        </pc:spChg>
+        <pc:spChg chg="del">
+          <ac:chgData name="균 영" userId="c3005608dac53a9a" providerId="LiveId" clId="{A81B6AD0-A41E-4603-9C32-BA44AECA5BE0}" dt="2024-08-19T05:12:15.242" v="772" actId="478"/>
+          <ac:spMkLst>
+            <pc:docMk/>
+            <pc:sldMk cId="3819335846" sldId="397"/>
+            <ac:spMk id="5" creationId="{BA5C3DD7-8ECD-82BE-E9FF-6CF85A8FB24F}"/>
+          </ac:spMkLst>
+        </pc:spChg>
+        <pc:spChg chg="add del mod">
+          <ac:chgData name="균 영" userId="c3005608dac53a9a" providerId="LiveId" clId="{A81B6AD0-A41E-4603-9C32-BA44AECA5BE0}" dt="2024-08-19T05:12:19.328" v="774" actId="478"/>
+          <ac:spMkLst>
+            <pc:docMk/>
+            <pc:sldMk cId="3819335846" sldId="397"/>
+            <ac:spMk id="6" creationId="{54FF1966-258A-BD16-1E6B-8B54FE178A84}"/>
+          </ac:spMkLst>
+        </pc:spChg>
+        <pc:spChg chg="mod">
+          <ac:chgData name="균 영" userId="c3005608dac53a9a" providerId="LiveId" clId="{A81B6AD0-A41E-4603-9C32-BA44AECA5BE0}" dt="2024-08-19T05:13:05.672" v="791" actId="20577"/>
+          <ac:spMkLst>
+            <pc:docMk/>
+            <pc:sldMk cId="3819335846" sldId="397"/>
+            <ac:spMk id="8" creationId="{41BAC32B-6394-F667-E9FA-B7049A41FA9B}"/>
+          </ac:spMkLst>
+        </pc:spChg>
+      </pc:sldChg>
+      <pc:sldChg chg="addSp delSp modSp add mod">
+        <pc:chgData name="균 영" userId="c3005608dac53a9a" providerId="LiveId" clId="{A81B6AD0-A41E-4603-9C32-BA44AECA5BE0}" dt="2024-08-19T02:18:43.068" v="663" actId="20577"/>
+        <pc:sldMkLst>
+          <pc:docMk/>
+          <pc:sldMk cId="3396133691" sldId="422"/>
+        </pc:sldMkLst>
+        <pc:spChg chg="add mod">
+          <ac:chgData name="균 영" userId="c3005608dac53a9a" providerId="LiveId" clId="{A81B6AD0-A41E-4603-9C32-BA44AECA5BE0}" dt="2024-08-19T02:07:09.188" v="19" actId="5793"/>
+          <ac:spMkLst>
+            <pc:docMk/>
+            <pc:sldMk cId="3396133691" sldId="422"/>
+            <ac:spMk id="2" creationId="{3B1E70C7-5741-4F13-AF7C-E6F310C642B7}"/>
+          </ac:spMkLst>
+        </pc:spChg>
+        <pc:spChg chg="add mod">
+          <ac:chgData name="균 영" userId="c3005608dac53a9a" providerId="LiveId" clId="{A81B6AD0-A41E-4603-9C32-BA44AECA5BE0}" dt="2024-08-19T02:18:43.068" v="663" actId="20577"/>
+          <ac:spMkLst>
+            <pc:docMk/>
+            <pc:sldMk cId="3396133691" sldId="422"/>
+            <ac:spMk id="5" creationId="{58A51ECF-7AE1-BC66-3520-E13C76521175}"/>
+          </ac:spMkLst>
+        </pc:spChg>
+        <pc:picChg chg="del">
+          <ac:chgData name="균 영" userId="c3005608dac53a9a" providerId="LiveId" clId="{A81B6AD0-A41E-4603-9C32-BA44AECA5BE0}" dt="2024-08-19T02:05:37.891" v="1" actId="478"/>
+          <ac:picMkLst>
+            <pc:docMk/>
+            <pc:sldMk cId="3396133691" sldId="422"/>
+            <ac:picMk id="6" creationId="{3BE1ED00-ED66-E4D8-9544-772CC2187C0A}"/>
+          </ac:picMkLst>
+        </pc:picChg>
+        <pc:picChg chg="add mod">
+          <ac:chgData name="균 영" userId="c3005608dac53a9a" providerId="LiveId" clId="{A81B6AD0-A41E-4603-9C32-BA44AECA5BE0}" dt="2024-08-19T02:10:39.590" v="305" actId="1076"/>
+          <ac:picMkLst>
+            <pc:docMk/>
+            <pc:sldMk cId="3396133691" sldId="422"/>
+            <ac:picMk id="7" creationId="{13A06966-19AA-0834-860A-446A90D0B2A0}"/>
+          </ac:picMkLst>
+        </pc:picChg>
+        <pc:picChg chg="del">
+          <ac:chgData name="균 영" userId="c3005608dac53a9a" providerId="LiveId" clId="{A81B6AD0-A41E-4603-9C32-BA44AECA5BE0}" dt="2024-08-19T02:05:39.454" v="2" actId="478"/>
+          <ac:picMkLst>
+            <pc:docMk/>
+            <pc:sldMk cId="3396133691" sldId="422"/>
+            <ac:picMk id="9" creationId="{90914F5C-C10A-4FE1-A3D5-5E44FEB67744}"/>
+          </ac:picMkLst>
+        </pc:picChg>
+      </pc:sldChg>
+      <pc:sldChg chg="delSp modSp add mod">
+        <pc:chgData name="균 영" userId="c3005608dac53a9a" providerId="LiveId" clId="{A81B6AD0-A41E-4603-9C32-BA44AECA5BE0}" dt="2024-08-19T02:27:51.523" v="757" actId="20577"/>
+        <pc:sldMkLst>
+          <pc:docMk/>
+          <pc:sldMk cId="2368154766" sldId="423"/>
+        </pc:sldMkLst>
+        <pc:spChg chg="mod">
+          <ac:chgData name="균 영" userId="c3005608dac53a9a" providerId="LiveId" clId="{A81B6AD0-A41E-4603-9C32-BA44AECA5BE0}" dt="2024-08-19T02:11:30.602" v="323"/>
+          <ac:spMkLst>
+            <pc:docMk/>
+            <pc:sldMk cId="2368154766" sldId="423"/>
+            <ac:spMk id="2" creationId="{3B1E70C7-5741-4F13-AF7C-E6F310C642B7}"/>
+          </ac:spMkLst>
+        </pc:spChg>
+        <pc:spChg chg="mod">
+          <ac:chgData name="균 영" userId="c3005608dac53a9a" providerId="LiveId" clId="{A81B6AD0-A41E-4603-9C32-BA44AECA5BE0}" dt="2024-08-19T02:27:51.523" v="757" actId="20577"/>
+          <ac:spMkLst>
+            <pc:docMk/>
+            <pc:sldMk cId="2368154766" sldId="423"/>
+            <ac:spMk id="5" creationId="{58A51ECF-7AE1-BC66-3520-E13C76521175}"/>
+          </ac:spMkLst>
+        </pc:spChg>
+        <pc:picChg chg="del">
+          <ac:chgData name="균 영" userId="c3005608dac53a9a" providerId="LiveId" clId="{A81B6AD0-A41E-4603-9C32-BA44AECA5BE0}" dt="2024-08-19T02:15:56.188" v="583" actId="478"/>
+          <ac:picMkLst>
+            <pc:docMk/>
+            <pc:sldMk cId="2368154766" sldId="423"/>
+            <ac:picMk id="7" creationId="{13A06966-19AA-0834-860A-446A90D0B2A0}"/>
+          </ac:picMkLst>
+        </pc:picChg>
+      </pc:sldChg>
+      <pc:sldChg chg="delSp modSp new del mod">
+        <pc:chgData name="균 영" userId="c3005608dac53a9a" providerId="LiveId" clId="{A81B6AD0-A41E-4603-9C32-BA44AECA5BE0}" dt="2024-08-19T05:10:54.372" v="763" actId="47"/>
+        <pc:sldMkLst>
+          <pc:docMk/>
+          <pc:sldMk cId="3530869874" sldId="424"/>
+        </pc:sldMkLst>
+        <pc:spChg chg="del mod">
+          <ac:chgData name="균 영" userId="c3005608dac53a9a" providerId="LiveId" clId="{A81B6AD0-A41E-4603-9C32-BA44AECA5BE0}" dt="2024-08-19T05:10:52.280" v="762" actId="478"/>
+          <ac:spMkLst>
+            <pc:docMk/>
+            <pc:sldMk cId="3530869874" sldId="424"/>
+            <ac:spMk id="3" creationId="{E9C22655-7209-54E4-3EE6-AD0AC308ADC2}"/>
+          </ac:spMkLst>
+        </pc:spChg>
+      </pc:sldChg>
+      <pc:sldChg chg="new del">
+        <pc:chgData name="균 영" userId="c3005608dac53a9a" providerId="LiveId" clId="{A81B6AD0-A41E-4603-9C32-BA44AECA5BE0}" dt="2024-08-19T05:11:50.052" v="765" actId="47"/>
+        <pc:sldMkLst>
+          <pc:docMk/>
+          <pc:sldMk cId="3933001782" sldId="424"/>
+        </pc:sldMkLst>
+      </pc:sldChg>
+    </pc:docChg>
+  </pc:docChgLst>
   <pc:docChgLst>
     <pc:chgData name="균 영" userId="c3005608dac53a9a" providerId="LiveId" clId="{FB8C2F4F-4BDE-43B3-8B9F-18523D95213A}"/>
     <pc:docChg chg="undo custSel addSld delSld">
@@ -337,7 +495,7 @@
           <a:p>
             <a:fld id="{B2F70DDB-16A4-4415-81B8-ED3EA59B23F7}" type="datetimeFigureOut">
               <a:rPr lang="ko-KR" altLang="en-US" smtClean="0"/>
-              <a:t>2024-08-16</a:t>
+              <a:t>2024-08-19</a:t>
             </a:fld>
             <a:endParaRPr lang="ko-KR" altLang="en-US"/>
           </a:p>
@@ -688,6 +846,174 @@
 </p:notes>
 </file>
 
+<file path=ppt/notesSlides/notesSlide2.xml><?xml version="1.0" encoding="utf-8"?>
+<p:notes xmlns:a="http://schemas.openxmlformats.org/drawingml/2006/main" xmlns:r="http://schemas.openxmlformats.org/officeDocument/2006/relationships" xmlns:p="http://schemas.openxmlformats.org/presentationml/2006/main">
+  <p:cSld>
+    <p:spTree>
+      <p:nvGrpSpPr>
+        <p:cNvPr id="1" name=""/>
+        <p:cNvGrpSpPr/>
+        <p:nvPr/>
+      </p:nvGrpSpPr>
+      <p:grpSpPr>
+        <a:xfrm>
+          <a:off x="0" y="0"/>
+          <a:ext cx="0" cy="0"/>
+          <a:chOff x="0" y="0"/>
+          <a:chExt cx="0" cy="0"/>
+        </a:xfrm>
+      </p:grpSpPr>
+      <p:sp>
+        <p:nvSpPr>
+          <p:cNvPr id="2" name="슬라이드 이미지 개체 틀 1"/>
+          <p:cNvSpPr>
+            <a:spLocks noGrp="1" noRot="1" noChangeAspect="1"/>
+          </p:cNvSpPr>
+          <p:nvPr>
+            <p:ph type="sldImg"/>
+          </p:nvPr>
+        </p:nvSpPr>
+        <p:spPr/>
+      </p:sp>
+      <p:sp>
+        <p:nvSpPr>
+          <p:cNvPr id="3" name="슬라이드 노트 개체 틀 2"/>
+          <p:cNvSpPr>
+            <a:spLocks noGrp="1"/>
+          </p:cNvSpPr>
+          <p:nvPr>
+            <p:ph type="body" idx="1"/>
+          </p:nvPr>
+        </p:nvSpPr>
+        <p:spPr/>
+        <p:txBody>
+          <a:bodyPr/>
+          <a:lstStyle/>
+          <a:p>
+            <a:endParaRPr lang="ko-KR" altLang="en-US" dirty="0"/>
+          </a:p>
+        </p:txBody>
+      </p:sp>
+      <p:sp>
+        <p:nvSpPr>
+          <p:cNvPr id="4" name="슬라이드 번호 개체 틀 3"/>
+          <p:cNvSpPr>
+            <a:spLocks noGrp="1"/>
+          </p:cNvSpPr>
+          <p:nvPr>
+            <p:ph type="sldNum" sz="quarter" idx="5"/>
+          </p:nvPr>
+        </p:nvSpPr>
+        <p:spPr/>
+        <p:txBody>
+          <a:bodyPr/>
+          <a:lstStyle/>
+          <a:p>
+            <a:fld id="{6C0AE2C7-1219-4195-AC86-3ED2266D3EC7}" type="slidenum">
+              <a:rPr lang="ko-KR" altLang="en-US" smtClean="0"/>
+              <a:t>9</a:t>
+            </a:fld>
+            <a:endParaRPr lang="ko-KR" altLang="en-US"/>
+          </a:p>
+        </p:txBody>
+      </p:sp>
+    </p:spTree>
+    <p:extLst>
+      <p:ext uri="{BB962C8B-B14F-4D97-AF65-F5344CB8AC3E}">
+        <p14:creationId xmlns:p14="http://schemas.microsoft.com/office/powerpoint/2010/main" val="2547582701"/>
+      </p:ext>
+    </p:extLst>
+  </p:cSld>
+  <p:clrMapOvr>
+    <a:masterClrMapping/>
+  </p:clrMapOvr>
+</p:notes>
+</file>
+
+<file path=ppt/notesSlides/notesSlide3.xml><?xml version="1.0" encoding="utf-8"?>
+<p:notes xmlns:a="http://schemas.openxmlformats.org/drawingml/2006/main" xmlns:r="http://schemas.openxmlformats.org/officeDocument/2006/relationships" xmlns:p="http://schemas.openxmlformats.org/presentationml/2006/main">
+  <p:cSld>
+    <p:spTree>
+      <p:nvGrpSpPr>
+        <p:cNvPr id="1" name=""/>
+        <p:cNvGrpSpPr/>
+        <p:nvPr/>
+      </p:nvGrpSpPr>
+      <p:grpSpPr>
+        <a:xfrm>
+          <a:off x="0" y="0"/>
+          <a:ext cx="0" cy="0"/>
+          <a:chOff x="0" y="0"/>
+          <a:chExt cx="0" cy="0"/>
+        </a:xfrm>
+      </p:grpSpPr>
+      <p:sp>
+        <p:nvSpPr>
+          <p:cNvPr id="2" name="슬라이드 이미지 개체 틀 1"/>
+          <p:cNvSpPr>
+            <a:spLocks noGrp="1" noRot="1" noChangeAspect="1"/>
+          </p:cNvSpPr>
+          <p:nvPr>
+            <p:ph type="sldImg"/>
+          </p:nvPr>
+        </p:nvSpPr>
+        <p:spPr/>
+      </p:sp>
+      <p:sp>
+        <p:nvSpPr>
+          <p:cNvPr id="3" name="슬라이드 노트 개체 틀 2"/>
+          <p:cNvSpPr>
+            <a:spLocks noGrp="1"/>
+          </p:cNvSpPr>
+          <p:nvPr>
+            <p:ph type="body" idx="1"/>
+          </p:nvPr>
+        </p:nvSpPr>
+        <p:spPr/>
+        <p:txBody>
+          <a:bodyPr/>
+          <a:lstStyle/>
+          <a:p>
+            <a:endParaRPr lang="ko-KR" altLang="en-US" dirty="0"/>
+          </a:p>
+        </p:txBody>
+      </p:sp>
+      <p:sp>
+        <p:nvSpPr>
+          <p:cNvPr id="4" name="슬라이드 번호 개체 틀 3"/>
+          <p:cNvSpPr>
+            <a:spLocks noGrp="1"/>
+          </p:cNvSpPr>
+          <p:nvPr>
+            <p:ph type="sldNum" sz="quarter" idx="5"/>
+          </p:nvPr>
+        </p:nvSpPr>
+        <p:spPr/>
+        <p:txBody>
+          <a:bodyPr/>
+          <a:lstStyle/>
+          <a:p>
+            <a:fld id="{6C0AE2C7-1219-4195-AC86-3ED2266D3EC7}" type="slidenum">
+              <a:rPr lang="ko-KR" altLang="en-US" smtClean="0"/>
+              <a:t>10</a:t>
+            </a:fld>
+            <a:endParaRPr lang="ko-KR" altLang="en-US"/>
+          </a:p>
+        </p:txBody>
+      </p:sp>
+    </p:spTree>
+    <p:extLst>
+      <p:ext uri="{BB962C8B-B14F-4D97-AF65-F5344CB8AC3E}">
+        <p14:creationId xmlns:p14="http://schemas.microsoft.com/office/powerpoint/2010/main" val="3499233625"/>
+      </p:ext>
+    </p:extLst>
+  </p:cSld>
+  <p:clrMapOvr>
+    <a:masterClrMapping/>
+  </p:clrMapOvr>
+</p:notes>
+</file>
+
 <file path=ppt/slideLayouts/slideLayout1.xml><?xml version="1.0" encoding="utf-8"?>
 <p:sldLayout xmlns:a="http://schemas.openxmlformats.org/drawingml/2006/main" xmlns:r="http://schemas.openxmlformats.org/officeDocument/2006/relationships" xmlns:p="http://schemas.openxmlformats.org/presentationml/2006/main" type="title" preserve="1">
   <p:cSld name="제목 슬라이드">
@@ -835,7 +1161,7 @@
           <a:p>
             <a:fld id="{E1332A5D-EF16-413A-8528-1524173FE13F}" type="datetime1">
               <a:rPr lang="ko-KR" altLang="en-US" smtClean="0"/>
-              <a:t>2024-08-16</a:t>
+              <a:t>2024-08-19</a:t>
             </a:fld>
             <a:endParaRPr lang="ko-KR" altLang="en-US"/>
           </a:p>
@@ -1033,7 +1359,7 @@
           <a:p>
             <a:fld id="{CBE4E19E-329A-47BF-91B7-050A64F96865}" type="datetime1">
               <a:rPr lang="ko-KR" altLang="en-US" smtClean="0"/>
-              <a:t>2024-08-16</a:t>
+              <a:t>2024-08-19</a:t>
             </a:fld>
             <a:endParaRPr lang="ko-KR" altLang="en-US"/>
           </a:p>
@@ -1241,7 +1567,7 @@
           <a:p>
             <a:fld id="{536EE787-FB65-4F6C-8344-10A38C67C761}" type="datetime1">
               <a:rPr lang="ko-KR" altLang="en-US" smtClean="0"/>
-              <a:t>2024-08-16</a:t>
+              <a:t>2024-08-19</a:t>
             </a:fld>
             <a:endParaRPr lang="ko-KR" altLang="en-US"/>
           </a:p>
@@ -1439,7 +1765,7 @@
           <a:p>
             <a:fld id="{2C628DF1-C10F-4E18-A539-1EC296D870AE}" type="datetime1">
               <a:rPr lang="ko-KR" altLang="en-US" smtClean="0"/>
-              <a:t>2024-08-16</a:t>
+              <a:t>2024-08-19</a:t>
             </a:fld>
             <a:endParaRPr lang="ko-KR" altLang="en-US"/>
           </a:p>
@@ -1714,7 +2040,7 @@
           <a:p>
             <a:fld id="{0D46702D-6878-481D-83EE-43107903428C}" type="datetime1">
               <a:rPr lang="ko-KR" altLang="en-US" smtClean="0"/>
-              <a:t>2024-08-16</a:t>
+              <a:t>2024-08-19</a:t>
             </a:fld>
             <a:endParaRPr lang="ko-KR" altLang="en-US"/>
           </a:p>
@@ -1979,7 +2305,7 @@
           <a:p>
             <a:fld id="{D29824A8-E0AD-40DA-A9C9-5492CCBCD59C}" type="datetime1">
               <a:rPr lang="ko-KR" altLang="en-US" smtClean="0"/>
-              <a:t>2024-08-16</a:t>
+              <a:t>2024-08-19</a:t>
             </a:fld>
             <a:endParaRPr lang="ko-KR" altLang="en-US"/>
           </a:p>
@@ -2391,7 +2717,7 @@
           <a:p>
             <a:fld id="{F561B1DB-2DBF-4FC1-95AE-82AAB33A4852}" type="datetime1">
               <a:rPr lang="ko-KR" altLang="en-US" smtClean="0"/>
-              <a:t>2024-08-16</a:t>
+              <a:t>2024-08-19</a:t>
             </a:fld>
             <a:endParaRPr lang="ko-KR" altLang="en-US"/>
           </a:p>
@@ -2532,7 +2858,7 @@
           <a:p>
             <a:fld id="{9B080C70-8CCE-45B2-942E-B29DE8C8144D}" type="datetime1">
               <a:rPr lang="ko-KR" altLang="en-US" smtClean="0"/>
-              <a:t>2024-08-16</a:t>
+              <a:t>2024-08-19</a:t>
             </a:fld>
             <a:endParaRPr lang="ko-KR" altLang="en-US"/>
           </a:p>
@@ -2645,7 +2971,7 @@
           <a:p>
             <a:fld id="{BAD799ED-0B10-4E07-819B-F55E50ED798C}" type="datetime1">
               <a:rPr lang="ko-KR" altLang="en-US" smtClean="0"/>
-              <a:t>2024-08-16</a:t>
+              <a:t>2024-08-19</a:t>
             </a:fld>
             <a:endParaRPr lang="ko-KR" altLang="en-US"/>
           </a:p>
@@ -2956,7 +3282,7 @@
           <a:p>
             <a:fld id="{94431DB7-4729-40E1-AFEA-ED8B12D94C7C}" type="datetime1">
               <a:rPr lang="ko-KR" altLang="en-US" smtClean="0"/>
-              <a:t>2024-08-16</a:t>
+              <a:t>2024-08-19</a:t>
             </a:fld>
             <a:endParaRPr lang="ko-KR" altLang="en-US"/>
           </a:p>
@@ -3244,7 +3570,7 @@
           <a:p>
             <a:fld id="{D6ED9B8A-7085-46D0-9495-95573BCEFC8E}" type="datetime1">
               <a:rPr lang="ko-KR" altLang="en-US" smtClean="0"/>
-              <a:t>2024-08-16</a:t>
+              <a:t>2024-08-19</a:t>
             </a:fld>
             <a:endParaRPr lang="ko-KR" altLang="en-US"/>
           </a:p>
@@ -3485,7 +3811,7 @@
           <a:p>
             <a:fld id="{F8852498-9BB5-4980-B564-F9944D4C1665}" type="datetime1">
               <a:rPr lang="ko-KR" altLang="en-US" smtClean="0"/>
-              <a:t>2024-08-16</a:t>
+              <a:t>2024-08-19</a:t>
             </a:fld>
             <a:endParaRPr lang="ko-KR" altLang="en-US"/>
           </a:p>
@@ -3983,6 +4309,864 @@
 </p:sld>
 </file>
 
+<file path=ppt/slides/slide10.xml><?xml version="1.0" encoding="utf-8"?>
+<p:sld xmlns:a="http://schemas.openxmlformats.org/drawingml/2006/main" xmlns:r="http://schemas.openxmlformats.org/officeDocument/2006/relationships" xmlns:p="http://schemas.openxmlformats.org/presentationml/2006/main">
+  <p:cSld>
+    <p:spTree>
+      <p:nvGrpSpPr>
+        <p:cNvPr id="1" name=""/>
+        <p:cNvGrpSpPr/>
+        <p:nvPr/>
+      </p:nvGrpSpPr>
+      <p:grpSpPr>
+        <a:xfrm>
+          <a:off x="0" y="0"/>
+          <a:ext cx="0" cy="0"/>
+          <a:chOff x="0" y="0"/>
+          <a:chExt cx="0" cy="0"/>
+        </a:xfrm>
+      </p:grpSpPr>
+      <p:sp>
+        <p:nvSpPr>
+          <p:cNvPr id="4" name="제목 1">
+            <a:extLst>
+              <a:ext uri="{FF2B5EF4-FFF2-40B4-BE49-F238E27FC236}">
+                <a16:creationId xmlns:a16="http://schemas.microsoft.com/office/drawing/2014/main" id="{FCE8F1B0-037E-00D2-0364-CAD8CE062417}"/>
+              </a:ext>
+            </a:extLst>
+          </p:cNvPr>
+          <p:cNvSpPr>
+            <a:spLocks noGrp="1"/>
+          </p:cNvSpPr>
+          <p:nvPr>
+            <p:ph type="title"/>
+          </p:nvPr>
+        </p:nvSpPr>
+        <p:spPr>
+          <a:xfrm>
+            <a:off x="838200" y="-52715"/>
+            <a:ext cx="10515600" cy="1325563"/>
+          </a:xfrm>
+        </p:spPr>
+        <p:txBody>
+          <a:bodyPr>
+            <a:normAutofit/>
+          </a:bodyPr>
+          <a:lstStyle/>
+          <a:p>
+            <a:r>
+              <a:rPr lang="en-US" altLang="ko-KR" sz="3600" dirty="0">
+                <a:solidFill>
+                  <a:srgbClr val="A33B39"/>
+                </a:solidFill>
+                <a:latin typeface="Times New Roman" panose="02020603050405020304" pitchFamily="18" charset="0"/>
+                <a:cs typeface="Times New Roman" panose="02020603050405020304" pitchFamily="18" charset="0"/>
+              </a:rPr>
+              <a:t>3. Experiment</a:t>
+            </a:r>
+            <a:endParaRPr lang="ko-KR" altLang="en-US" sz="3600" dirty="0">
+              <a:solidFill>
+                <a:srgbClr val="A33B39"/>
+              </a:solidFill>
+              <a:latin typeface="Times New Roman" panose="02020603050405020304" pitchFamily="18" charset="0"/>
+              <a:cs typeface="Times New Roman" panose="02020603050405020304" pitchFamily="18" charset="0"/>
+            </a:endParaRPr>
+          </a:p>
+        </p:txBody>
+      </p:sp>
+      <p:sp>
+        <p:nvSpPr>
+          <p:cNvPr id="10" name="슬라이드 번호 개체 틀 9">
+            <a:extLst>
+              <a:ext uri="{FF2B5EF4-FFF2-40B4-BE49-F238E27FC236}">
+                <a16:creationId xmlns:a16="http://schemas.microsoft.com/office/drawing/2014/main" id="{B787C8E3-76B4-A858-2D76-21A1B4C90E63}"/>
+              </a:ext>
+            </a:extLst>
+          </p:cNvPr>
+          <p:cNvSpPr>
+            <a:spLocks noGrp="1"/>
+          </p:cNvSpPr>
+          <p:nvPr>
+            <p:ph type="sldNum" sz="quarter" idx="12"/>
+          </p:nvPr>
+        </p:nvSpPr>
+        <p:spPr/>
+        <p:txBody>
+          <a:bodyPr/>
+          <a:lstStyle/>
+          <a:p>
+            <a:fld id="{C48A153A-77DF-4ABD-A042-8B9198E49268}" type="slidenum">
+              <a:rPr lang="ko-KR" altLang="en-US" smtClean="0"/>
+              <a:t>10</a:t>
+            </a:fld>
+            <a:endParaRPr lang="ko-KR" altLang="en-US"/>
+          </a:p>
+        </p:txBody>
+      </p:sp>
+      <p:sp>
+        <p:nvSpPr>
+          <p:cNvPr id="3" name="내용 개체 틀 2">
+            <a:extLst>
+              <a:ext uri="{FF2B5EF4-FFF2-40B4-BE49-F238E27FC236}">
+                <a16:creationId xmlns:a16="http://schemas.microsoft.com/office/drawing/2014/main" id="{BA40C316-7BCC-0201-CFA2-B305FDD30D89}"/>
+              </a:ext>
+            </a:extLst>
+          </p:cNvPr>
+          <p:cNvSpPr>
+            <a:spLocks noGrp="1"/>
+          </p:cNvSpPr>
+          <p:nvPr>
+            <p:ph idx="1"/>
+          </p:nvPr>
+        </p:nvSpPr>
+        <p:spPr>
+          <a:xfrm>
+            <a:off x="11106847" y="129602"/>
+            <a:ext cx="1028634" cy="1097956"/>
+          </a:xfrm>
+        </p:spPr>
+        <p:txBody>
+          <a:bodyPr>
+            <a:noAutofit/>
+          </a:bodyPr>
+          <a:lstStyle/>
+          <a:p>
+            <a:pPr marL="0" indent="0">
+              <a:spcBef>
+                <a:spcPts val="0"/>
+              </a:spcBef>
+              <a:buNone/>
+            </a:pPr>
+            <a:r>
+              <a:rPr lang="en-US" altLang="ko-KR" sz="1100" b="1" dirty="0">
+                <a:solidFill>
+                  <a:schemeClr val="bg2">
+                    <a:lumMod val="75000"/>
+                  </a:schemeClr>
+                </a:solidFill>
+                <a:latin typeface="Times New Roman" panose="02020603050405020304" pitchFamily="18" charset="0"/>
+                <a:cs typeface="Times New Roman" panose="02020603050405020304" pitchFamily="18" charset="0"/>
+              </a:rPr>
+              <a:t>0. </a:t>
+            </a:r>
+            <a:r>
+              <a:rPr lang="en-US" altLang="ko-KR" sz="1100" dirty="0">
+                <a:solidFill>
+                  <a:schemeClr val="bg2">
+                    <a:lumMod val="75000"/>
+                  </a:schemeClr>
+                </a:solidFill>
+                <a:latin typeface="Times New Roman" panose="02020603050405020304" pitchFamily="18" charset="0"/>
+                <a:cs typeface="Times New Roman" panose="02020603050405020304" pitchFamily="18" charset="0"/>
+              </a:rPr>
+              <a:t>Introduction</a:t>
+            </a:r>
+          </a:p>
+          <a:p>
+            <a:pPr marL="0" indent="0">
+              <a:spcBef>
+                <a:spcPts val="0"/>
+              </a:spcBef>
+              <a:buNone/>
+            </a:pPr>
+            <a:r>
+              <a:rPr lang="en-US" altLang="ko-KR" sz="1100" b="1" dirty="0">
+                <a:solidFill>
+                  <a:schemeClr val="bg2">
+                    <a:lumMod val="75000"/>
+                  </a:schemeClr>
+                </a:solidFill>
+                <a:latin typeface="Times New Roman" panose="02020603050405020304" pitchFamily="18" charset="0"/>
+                <a:cs typeface="Times New Roman" panose="02020603050405020304" pitchFamily="18" charset="0"/>
+              </a:rPr>
+              <a:t>1. </a:t>
+            </a:r>
+            <a:r>
+              <a:rPr lang="en-US" altLang="ko-KR" sz="1100" dirty="0">
+                <a:solidFill>
+                  <a:schemeClr val="bg2">
+                    <a:lumMod val="75000"/>
+                  </a:schemeClr>
+                </a:solidFill>
+                <a:latin typeface="Times New Roman" panose="02020603050405020304" pitchFamily="18" charset="0"/>
+                <a:cs typeface="Times New Roman" panose="02020603050405020304" pitchFamily="18" charset="0"/>
+              </a:rPr>
+              <a:t>Summary</a:t>
+            </a:r>
+          </a:p>
+          <a:p>
+            <a:pPr marL="0" indent="0">
+              <a:spcBef>
+                <a:spcPts val="0"/>
+              </a:spcBef>
+              <a:buNone/>
+            </a:pPr>
+            <a:r>
+              <a:rPr lang="en-US" altLang="ko-KR" sz="1100" b="1" dirty="0">
+                <a:solidFill>
+                  <a:schemeClr val="bg2">
+                    <a:lumMod val="75000"/>
+                  </a:schemeClr>
+                </a:solidFill>
+                <a:latin typeface="Times New Roman" panose="02020603050405020304" pitchFamily="18" charset="0"/>
+                <a:cs typeface="Times New Roman" panose="02020603050405020304" pitchFamily="18" charset="0"/>
+              </a:rPr>
+              <a:t>2. </a:t>
+            </a:r>
+            <a:r>
+              <a:rPr lang="en-US" altLang="ko-KR" sz="1100" dirty="0">
+                <a:solidFill>
+                  <a:schemeClr val="bg2">
+                    <a:lumMod val="75000"/>
+                  </a:schemeClr>
+                </a:solidFill>
+                <a:latin typeface="Times New Roman" panose="02020603050405020304" pitchFamily="18" charset="0"/>
+                <a:cs typeface="Times New Roman" panose="02020603050405020304" pitchFamily="18" charset="0"/>
+              </a:rPr>
+              <a:t>Method</a:t>
+            </a:r>
+          </a:p>
+          <a:p>
+            <a:pPr marL="0" indent="0">
+              <a:spcBef>
+                <a:spcPts val="0"/>
+              </a:spcBef>
+              <a:buNone/>
+            </a:pPr>
+            <a:r>
+              <a:rPr lang="en-US" altLang="ko-KR" sz="1100" b="1" dirty="0">
+                <a:solidFill>
+                  <a:srgbClr val="A33B39"/>
+                </a:solidFill>
+                <a:latin typeface="Times New Roman" panose="02020603050405020304" pitchFamily="18" charset="0"/>
+                <a:cs typeface="Times New Roman" panose="02020603050405020304" pitchFamily="18" charset="0"/>
+              </a:rPr>
+              <a:t>3. </a:t>
+            </a:r>
+            <a:r>
+              <a:rPr lang="en-US" altLang="ko-KR" sz="1100" dirty="0">
+                <a:latin typeface="Times New Roman" panose="02020603050405020304" pitchFamily="18" charset="0"/>
+                <a:cs typeface="Times New Roman" panose="02020603050405020304" pitchFamily="18" charset="0"/>
+              </a:rPr>
+              <a:t>Experiment</a:t>
+            </a:r>
+          </a:p>
+          <a:p>
+            <a:pPr marL="0" indent="0">
+              <a:spcBef>
+                <a:spcPts val="0"/>
+              </a:spcBef>
+              <a:buNone/>
+            </a:pPr>
+            <a:endParaRPr lang="en-US" altLang="ko-KR" sz="1100" dirty="0">
+              <a:solidFill>
+                <a:schemeClr val="bg2">
+                  <a:lumMod val="75000"/>
+                </a:schemeClr>
+              </a:solidFill>
+              <a:latin typeface="Times New Roman" panose="02020603050405020304" pitchFamily="18" charset="0"/>
+              <a:cs typeface="Times New Roman" panose="02020603050405020304" pitchFamily="18" charset="0"/>
+            </a:endParaRPr>
+          </a:p>
+        </p:txBody>
+      </p:sp>
+      <p:sp>
+        <p:nvSpPr>
+          <p:cNvPr id="8" name="TextBox 7">
+            <a:extLst>
+              <a:ext uri="{FF2B5EF4-FFF2-40B4-BE49-F238E27FC236}">
+                <a16:creationId xmlns:a16="http://schemas.microsoft.com/office/drawing/2014/main" id="{7E229F6A-4018-21E9-F38C-31B77C89F95B}"/>
+              </a:ext>
+            </a:extLst>
+          </p:cNvPr>
+          <p:cNvSpPr txBox="1"/>
+          <p:nvPr/>
+        </p:nvSpPr>
+        <p:spPr>
+          <a:xfrm>
+            <a:off x="838200" y="865149"/>
+            <a:ext cx="6094990" cy="369332"/>
+          </a:xfrm>
+          <a:prstGeom prst="rect">
+            <a:avLst/>
+          </a:prstGeom>
+          <a:noFill/>
+        </p:spPr>
+        <p:txBody>
+          <a:bodyPr wrap="square">
+            <a:spAutoFit/>
+          </a:bodyPr>
+          <a:lstStyle/>
+          <a:p>
+            <a:r>
+              <a:rPr lang="en-US" altLang="ko-KR" dirty="0" err="1">
+                <a:solidFill>
+                  <a:srgbClr val="A33B39"/>
+                </a:solidFill>
+                <a:latin typeface="times" panose="02020603050405020304" pitchFamily="18" charset="0"/>
+                <a:cs typeface="times" panose="02020603050405020304" pitchFamily="18" charset="0"/>
+              </a:rPr>
+              <a:t>MoCo</a:t>
+            </a:r>
+            <a:endParaRPr lang="ko-KR" altLang="en-US" dirty="0">
+              <a:solidFill>
+                <a:srgbClr val="A33B39"/>
+              </a:solidFill>
+              <a:latin typeface="times" panose="02020603050405020304" pitchFamily="18" charset="0"/>
+              <a:cs typeface="times" panose="02020603050405020304" pitchFamily="18" charset="0"/>
+            </a:endParaRPr>
+          </a:p>
+        </p:txBody>
+      </p:sp>
+      <p:sp>
+        <p:nvSpPr>
+          <p:cNvPr id="2" name="내용 개체 틀 2">
+            <a:extLst>
+              <a:ext uri="{FF2B5EF4-FFF2-40B4-BE49-F238E27FC236}">
+                <a16:creationId xmlns:a16="http://schemas.microsoft.com/office/drawing/2014/main" id="{3B1E70C7-5741-4F13-AF7C-E6F310C642B7}"/>
+              </a:ext>
+            </a:extLst>
+          </p:cNvPr>
+          <p:cNvSpPr txBox="1">
+            <a:spLocks/>
+          </p:cNvSpPr>
+          <p:nvPr/>
+        </p:nvSpPr>
+        <p:spPr>
+          <a:xfrm>
+            <a:off x="652677" y="1804591"/>
+            <a:ext cx="10968487" cy="4320651"/>
+          </a:xfrm>
+          <a:prstGeom prst="rect">
+            <a:avLst/>
+          </a:prstGeom>
+        </p:spPr>
+        <p:txBody>
+          <a:bodyPr vert="horz" lIns="91440" tIns="45720" rIns="91440" bIns="45720" rtlCol="0">
+            <a:normAutofit/>
+          </a:bodyPr>
+          <a:lstStyle>
+            <a:lvl1pPr marL="228600" indent="-228600" algn="l" defTabSz="914400" rtl="0" eaLnBrk="1" latinLnBrk="1" hangingPunct="1">
+              <a:lnSpc>
+                <a:spcPct val="90000"/>
+              </a:lnSpc>
+              <a:spcBef>
+                <a:spcPts val="1000"/>
+              </a:spcBef>
+              <a:buFont typeface="Arial" panose="020B0604020202020204" pitchFamily="34" charset="0"/>
+              <a:buChar char="•"/>
+              <a:defRPr sz="2800" kern="1200">
+                <a:solidFill>
+                  <a:schemeClr val="tx1"/>
+                </a:solidFill>
+                <a:latin typeface="+mn-lt"/>
+                <a:ea typeface="+mn-ea"/>
+                <a:cs typeface="+mn-cs"/>
+              </a:defRPr>
+            </a:lvl1pPr>
+            <a:lvl2pPr marL="685800" indent="-228600" algn="l" defTabSz="914400" rtl="0" eaLnBrk="1" latinLnBrk="1" hangingPunct="1">
+              <a:lnSpc>
+                <a:spcPct val="90000"/>
+              </a:lnSpc>
+              <a:spcBef>
+                <a:spcPts val="500"/>
+              </a:spcBef>
+              <a:buFont typeface="Arial" panose="020B0604020202020204" pitchFamily="34" charset="0"/>
+              <a:buChar char="•"/>
+              <a:defRPr sz="2400" kern="1200">
+                <a:solidFill>
+                  <a:schemeClr val="tx1"/>
+                </a:solidFill>
+                <a:latin typeface="+mn-lt"/>
+                <a:ea typeface="+mn-ea"/>
+                <a:cs typeface="+mn-cs"/>
+              </a:defRPr>
+            </a:lvl2pPr>
+            <a:lvl3pPr marL="1143000" indent="-228600" algn="l" defTabSz="914400" rtl="0" eaLnBrk="1" latinLnBrk="1" hangingPunct="1">
+              <a:lnSpc>
+                <a:spcPct val="90000"/>
+              </a:lnSpc>
+              <a:spcBef>
+                <a:spcPts val="500"/>
+              </a:spcBef>
+              <a:buFont typeface="Arial" panose="020B0604020202020204" pitchFamily="34" charset="0"/>
+              <a:buChar char="•"/>
+              <a:defRPr sz="2000" kern="1200">
+                <a:solidFill>
+                  <a:schemeClr val="tx1"/>
+                </a:solidFill>
+                <a:latin typeface="+mn-lt"/>
+                <a:ea typeface="+mn-ea"/>
+                <a:cs typeface="+mn-cs"/>
+              </a:defRPr>
+            </a:lvl3pPr>
+            <a:lvl4pPr marL="1600200" indent="-228600" algn="l" defTabSz="914400" rtl="0" eaLnBrk="1" latinLnBrk="1" hangingPunct="1">
+              <a:lnSpc>
+                <a:spcPct val="90000"/>
+              </a:lnSpc>
+              <a:spcBef>
+                <a:spcPts val="500"/>
+              </a:spcBef>
+              <a:buFont typeface="Arial" panose="020B0604020202020204" pitchFamily="34" charset="0"/>
+              <a:buChar char="•"/>
+              <a:defRPr sz="1800" kern="1200">
+                <a:solidFill>
+                  <a:schemeClr val="tx1"/>
+                </a:solidFill>
+                <a:latin typeface="+mn-lt"/>
+                <a:ea typeface="+mn-ea"/>
+                <a:cs typeface="+mn-cs"/>
+              </a:defRPr>
+            </a:lvl4pPr>
+            <a:lvl5pPr marL="2057400" indent="-228600" algn="l" defTabSz="914400" rtl="0" eaLnBrk="1" latinLnBrk="1" hangingPunct="1">
+              <a:lnSpc>
+                <a:spcPct val="90000"/>
+              </a:lnSpc>
+              <a:spcBef>
+                <a:spcPts val="500"/>
+              </a:spcBef>
+              <a:buFont typeface="Arial" panose="020B0604020202020204" pitchFamily="34" charset="0"/>
+              <a:buChar char="•"/>
+              <a:defRPr sz="1800" kern="1200">
+                <a:solidFill>
+                  <a:schemeClr val="tx1"/>
+                </a:solidFill>
+                <a:latin typeface="+mn-lt"/>
+                <a:ea typeface="+mn-ea"/>
+                <a:cs typeface="+mn-cs"/>
+              </a:defRPr>
+            </a:lvl5pPr>
+            <a:lvl6pPr marL="2514600" indent="-228600" algn="l" defTabSz="914400" rtl="0" eaLnBrk="1" latinLnBrk="1" hangingPunct="1">
+              <a:lnSpc>
+                <a:spcPct val="90000"/>
+              </a:lnSpc>
+              <a:spcBef>
+                <a:spcPts val="500"/>
+              </a:spcBef>
+              <a:buFont typeface="Arial" panose="020B0604020202020204" pitchFamily="34" charset="0"/>
+              <a:buChar char="•"/>
+              <a:defRPr sz="1800" kern="1200">
+                <a:solidFill>
+                  <a:schemeClr val="tx1"/>
+                </a:solidFill>
+                <a:latin typeface="+mn-lt"/>
+                <a:ea typeface="+mn-ea"/>
+                <a:cs typeface="+mn-cs"/>
+              </a:defRPr>
+            </a:lvl6pPr>
+            <a:lvl7pPr marL="2971800" indent="-228600" algn="l" defTabSz="914400" rtl="0" eaLnBrk="1" latinLnBrk="1" hangingPunct="1">
+              <a:lnSpc>
+                <a:spcPct val="90000"/>
+              </a:lnSpc>
+              <a:spcBef>
+                <a:spcPts val="500"/>
+              </a:spcBef>
+              <a:buFont typeface="Arial" panose="020B0604020202020204" pitchFamily="34" charset="0"/>
+              <a:buChar char="•"/>
+              <a:defRPr sz="1800" kern="1200">
+                <a:solidFill>
+                  <a:schemeClr val="tx1"/>
+                </a:solidFill>
+                <a:latin typeface="+mn-lt"/>
+                <a:ea typeface="+mn-ea"/>
+                <a:cs typeface="+mn-cs"/>
+              </a:defRPr>
+            </a:lvl7pPr>
+            <a:lvl8pPr marL="3429000" indent="-228600" algn="l" defTabSz="914400" rtl="0" eaLnBrk="1" latinLnBrk="1" hangingPunct="1">
+              <a:lnSpc>
+                <a:spcPct val="90000"/>
+              </a:lnSpc>
+              <a:spcBef>
+                <a:spcPts val="500"/>
+              </a:spcBef>
+              <a:buFont typeface="Arial" panose="020B0604020202020204" pitchFamily="34" charset="0"/>
+              <a:buChar char="•"/>
+              <a:defRPr sz="1800" kern="1200">
+                <a:solidFill>
+                  <a:schemeClr val="tx1"/>
+                </a:solidFill>
+                <a:latin typeface="+mn-lt"/>
+                <a:ea typeface="+mn-ea"/>
+                <a:cs typeface="+mn-cs"/>
+              </a:defRPr>
+            </a:lvl8pPr>
+            <a:lvl9pPr marL="3886200" indent="-228600" algn="l" defTabSz="914400" rtl="0" eaLnBrk="1" latinLnBrk="1" hangingPunct="1">
+              <a:lnSpc>
+                <a:spcPct val="90000"/>
+              </a:lnSpc>
+              <a:spcBef>
+                <a:spcPts val="500"/>
+              </a:spcBef>
+              <a:buFont typeface="Arial" panose="020B0604020202020204" pitchFamily="34" charset="0"/>
+              <a:buChar char="•"/>
+              <a:defRPr sz="1800" kern="1200">
+                <a:solidFill>
+                  <a:schemeClr val="tx1"/>
+                </a:solidFill>
+                <a:latin typeface="+mn-lt"/>
+                <a:ea typeface="+mn-ea"/>
+                <a:cs typeface="+mn-cs"/>
+              </a:defRPr>
+            </a:lvl9pPr>
+          </a:lstStyle>
+          <a:p>
+            <a:pPr marL="0" indent="0">
+              <a:buFont typeface="Arial" panose="020B0604020202020204" pitchFamily="34" charset="0"/>
+              <a:buNone/>
+            </a:pPr>
+            <a:r>
+              <a:rPr lang="en-US" altLang="ko-KR" dirty="0">
+                <a:solidFill>
+                  <a:srgbClr val="A33B39"/>
+                </a:solidFill>
+                <a:latin typeface="Times New Roman" panose="02020603050405020304" pitchFamily="18" charset="0"/>
+                <a:cs typeface="Times New Roman" panose="02020603050405020304" pitchFamily="18" charset="0"/>
+              </a:rPr>
+              <a:t>2.</a:t>
+            </a:r>
+            <a:r>
+              <a:rPr lang="en-US" altLang="ko-KR" dirty="0">
+                <a:latin typeface="Times New Roman" panose="02020603050405020304" pitchFamily="18" charset="0"/>
+                <a:cs typeface="Times New Roman" panose="02020603050405020304" pitchFamily="18" charset="0"/>
+              </a:rPr>
+              <a:t> Transferring Features</a:t>
+            </a:r>
+          </a:p>
+        </p:txBody>
+      </p:sp>
+      <p:sp>
+        <p:nvSpPr>
+          <p:cNvPr id="5" name="TextBox 4">
+            <a:extLst>
+              <a:ext uri="{FF2B5EF4-FFF2-40B4-BE49-F238E27FC236}">
+                <a16:creationId xmlns:a16="http://schemas.microsoft.com/office/drawing/2014/main" id="{58A51ECF-7AE1-BC66-3520-E13C76521175}"/>
+              </a:ext>
+            </a:extLst>
+          </p:cNvPr>
+          <p:cNvSpPr txBox="1"/>
+          <p:nvPr/>
+        </p:nvSpPr>
+        <p:spPr>
+          <a:xfrm>
+            <a:off x="652676" y="2669364"/>
+            <a:ext cx="10744017" cy="2308324"/>
+          </a:xfrm>
+          <a:prstGeom prst="rect">
+            <a:avLst/>
+          </a:prstGeom>
+          <a:noFill/>
+        </p:spPr>
+        <p:txBody>
+          <a:bodyPr wrap="square">
+            <a:spAutoFit/>
+          </a:bodyPr>
+          <a:lstStyle/>
+          <a:p>
+            <a:r>
+              <a:rPr lang="en-US" altLang="ko-KR" b="1" dirty="0">
+                <a:solidFill>
+                  <a:srgbClr val="333333"/>
+                </a:solidFill>
+                <a:latin typeface="time"/>
+                <a:cs typeface="times" panose="02020603050405020304" pitchFamily="18" charset="0"/>
+              </a:rPr>
+              <a:t>Pre-trained ImageNet supervised training</a:t>
+            </a:r>
+            <a:r>
+              <a:rPr lang="ko-KR" altLang="en-US" b="1" dirty="0">
+                <a:solidFill>
+                  <a:srgbClr val="333333"/>
+                </a:solidFill>
+                <a:latin typeface="time"/>
+                <a:cs typeface="times" panose="02020603050405020304" pitchFamily="18" charset="0"/>
+              </a:rPr>
+              <a:t>과 </a:t>
+            </a:r>
+            <a:r>
+              <a:rPr lang="en-US" altLang="ko-KR" b="1" dirty="0" err="1">
+                <a:solidFill>
+                  <a:srgbClr val="333333"/>
+                </a:solidFill>
+                <a:latin typeface="time"/>
+                <a:cs typeface="times" panose="02020603050405020304" pitchFamily="18" charset="0"/>
+              </a:rPr>
+              <a:t>MoCo</a:t>
+            </a:r>
+            <a:r>
+              <a:rPr lang="ko-KR" altLang="en-US" b="1" dirty="0">
+                <a:solidFill>
+                  <a:srgbClr val="333333"/>
+                </a:solidFill>
+                <a:latin typeface="time"/>
+                <a:cs typeface="times" panose="02020603050405020304" pitchFamily="18" charset="0"/>
+              </a:rPr>
+              <a:t>를 새로운 데이터셋에</a:t>
+            </a:r>
+            <a:r>
+              <a:rPr lang="en-US" altLang="ko-KR" b="1" dirty="0">
+                <a:solidFill>
+                  <a:srgbClr val="333333"/>
+                </a:solidFill>
+                <a:latin typeface="time"/>
+                <a:cs typeface="times" panose="02020603050405020304" pitchFamily="18" charset="0"/>
+              </a:rPr>
+              <a:t> fine</a:t>
+            </a:r>
+            <a:r>
+              <a:rPr lang="ko-KR" altLang="en-US" b="1" dirty="0">
+                <a:solidFill>
+                  <a:srgbClr val="333333"/>
+                </a:solidFill>
+                <a:latin typeface="time"/>
+                <a:cs typeface="times" panose="02020603050405020304" pitchFamily="18" charset="0"/>
+              </a:rPr>
+              <a:t> </a:t>
+            </a:r>
+            <a:r>
+              <a:rPr lang="en-US" altLang="ko-KR" b="1" dirty="0">
+                <a:solidFill>
+                  <a:srgbClr val="333333"/>
+                </a:solidFill>
+                <a:latin typeface="time"/>
+                <a:cs typeface="times" panose="02020603050405020304" pitchFamily="18" charset="0"/>
+              </a:rPr>
+              <a:t>tuning</a:t>
+            </a:r>
+            <a:r>
+              <a:rPr lang="ko-KR" altLang="en-US" b="1" dirty="0">
+                <a:solidFill>
+                  <a:srgbClr val="333333"/>
+                </a:solidFill>
+                <a:latin typeface="time"/>
+                <a:cs typeface="times" panose="02020603050405020304" pitchFamily="18" charset="0"/>
+              </a:rPr>
+              <a:t>하여 </a:t>
+            </a:r>
+            <a:r>
+              <a:rPr lang="ko-KR" altLang="en-US" b="1" dirty="0" err="1">
+                <a:solidFill>
+                  <a:srgbClr val="333333"/>
+                </a:solidFill>
+                <a:latin typeface="time"/>
+                <a:cs typeface="times" panose="02020603050405020304" pitchFamily="18" charset="0"/>
+              </a:rPr>
+              <a:t>다운스트림</a:t>
+            </a:r>
+            <a:r>
+              <a:rPr lang="ko-KR" altLang="en-US" b="1" dirty="0">
+                <a:solidFill>
+                  <a:srgbClr val="333333"/>
+                </a:solidFill>
+                <a:latin typeface="time"/>
+                <a:cs typeface="times" panose="02020603050405020304" pitchFamily="18" charset="0"/>
+              </a:rPr>
+              <a:t> 비교</a:t>
+            </a:r>
+            <a:r>
+              <a:rPr lang="en-US" altLang="ko-KR" b="1" dirty="0">
+                <a:solidFill>
+                  <a:srgbClr val="333333"/>
+                </a:solidFill>
+                <a:latin typeface="time"/>
+                <a:cs typeface="times" panose="02020603050405020304" pitchFamily="18" charset="0"/>
+              </a:rPr>
+              <a:t>(</a:t>
+            </a:r>
+            <a:r>
+              <a:rPr lang="ko-KR" altLang="en-US" b="1" dirty="0">
+                <a:solidFill>
+                  <a:srgbClr val="333333"/>
+                </a:solidFill>
+                <a:latin typeface="time"/>
+                <a:cs typeface="times" panose="02020603050405020304" pitchFamily="18" charset="0"/>
+              </a:rPr>
+              <a:t>이 때 </a:t>
+            </a:r>
+            <a:r>
+              <a:rPr lang="en-US" altLang="ko-KR" b="1" dirty="0">
+                <a:solidFill>
+                  <a:srgbClr val="333333"/>
+                </a:solidFill>
+                <a:latin typeface="time"/>
+                <a:cs typeface="times" panose="02020603050405020304" pitchFamily="18" charset="0"/>
+              </a:rPr>
+              <a:t>fine tuning</a:t>
+            </a:r>
+            <a:r>
+              <a:rPr lang="ko-KR" altLang="en-US" b="1" dirty="0">
+                <a:solidFill>
+                  <a:srgbClr val="333333"/>
+                </a:solidFill>
+                <a:latin typeface="time"/>
+                <a:cs typeface="times" panose="02020603050405020304" pitchFamily="18" charset="0"/>
+              </a:rPr>
+              <a:t>에서 </a:t>
+            </a:r>
+            <a:r>
+              <a:rPr lang="en-US" altLang="ko-KR" b="1" dirty="0">
+                <a:solidFill>
+                  <a:srgbClr val="333333"/>
+                </a:solidFill>
+                <a:latin typeface="time"/>
+                <a:cs typeface="times" panose="02020603050405020304" pitchFamily="18" charset="0"/>
+              </a:rPr>
+              <a:t>BN</a:t>
+            </a:r>
+            <a:r>
+              <a:rPr lang="ko-KR" altLang="en-US" b="1" dirty="0">
+                <a:solidFill>
+                  <a:srgbClr val="333333"/>
+                </a:solidFill>
+                <a:latin typeface="time"/>
+                <a:cs typeface="times" panose="02020603050405020304" pitchFamily="18" charset="0"/>
+              </a:rPr>
+              <a:t>적용</a:t>
+            </a:r>
+            <a:r>
+              <a:rPr lang="en-US" altLang="ko-KR" b="1" dirty="0">
+                <a:solidFill>
+                  <a:srgbClr val="333333"/>
+                </a:solidFill>
+                <a:latin typeface="time"/>
+                <a:cs typeface="times" panose="02020603050405020304" pitchFamily="18" charset="0"/>
+              </a:rPr>
+              <a:t>)</a:t>
+            </a:r>
+            <a:endParaRPr lang="en-US" altLang="ko-KR" b="1" dirty="0">
+              <a:solidFill>
+                <a:srgbClr val="333333"/>
+              </a:solidFill>
+              <a:latin typeface="Noto Sans KR"/>
+              <a:cs typeface="times" panose="02020603050405020304" pitchFamily="18" charset="0"/>
+            </a:endParaRPr>
+          </a:p>
+          <a:p>
+            <a:endParaRPr lang="en-US" altLang="ko-KR" dirty="0">
+              <a:solidFill>
+                <a:srgbClr val="333333"/>
+              </a:solidFill>
+              <a:latin typeface="Noto Sans KR"/>
+              <a:cs typeface="times" panose="02020603050405020304" pitchFamily="18" charset="0"/>
+            </a:endParaRPr>
+          </a:p>
+          <a:p>
+            <a:r>
+              <a:rPr lang="ko-KR" altLang="en-US" b="1" dirty="0">
+                <a:solidFill>
+                  <a:srgbClr val="333333"/>
+                </a:solidFill>
+                <a:latin typeface="Noto Sans KR"/>
+                <a:cs typeface="times" panose="02020603050405020304" pitchFamily="18" charset="0"/>
+              </a:rPr>
+              <a:t>데이터셋 </a:t>
+            </a:r>
+            <a:r>
+              <a:rPr lang="en-US" altLang="ko-KR" b="1" dirty="0">
+                <a:solidFill>
+                  <a:srgbClr val="333333"/>
+                </a:solidFill>
+                <a:latin typeface="Noto Sans KR"/>
+                <a:cs typeface="times" panose="02020603050405020304" pitchFamily="18" charset="0"/>
+              </a:rPr>
+              <a:t>: </a:t>
+            </a:r>
+            <a:r>
+              <a:rPr lang="en-US" altLang="ko-KR" dirty="0">
+                <a:solidFill>
+                  <a:srgbClr val="333333"/>
+                </a:solidFill>
+                <a:latin typeface="Noto Sans KR"/>
+                <a:cs typeface="times" panose="02020603050405020304" pitchFamily="18" charset="0"/>
+              </a:rPr>
+              <a:t>PASCAL VOC Object Detection, COCO Object Detection and Segmentation, COCO </a:t>
+            </a:r>
+            <a:r>
+              <a:rPr lang="en-US" altLang="ko-KR" dirty="0" err="1">
+                <a:solidFill>
+                  <a:srgbClr val="333333"/>
+                </a:solidFill>
+                <a:latin typeface="Noto Sans KR"/>
+                <a:cs typeface="times" panose="02020603050405020304" pitchFamily="18" charset="0"/>
+              </a:rPr>
+              <a:t>keypoint</a:t>
+            </a:r>
+            <a:r>
+              <a:rPr lang="en-US" altLang="ko-KR" dirty="0">
+                <a:solidFill>
+                  <a:srgbClr val="333333"/>
+                </a:solidFill>
+                <a:latin typeface="Noto Sans KR"/>
+                <a:cs typeface="times" panose="02020603050405020304" pitchFamily="18" charset="0"/>
+              </a:rPr>
+              <a:t> detection, COCO dense pose estimation, LVIS v0.5 instance segmentation, Cityscapes instance segmentation, Semantic segmentation: On Cityscapes</a:t>
+            </a:r>
+          </a:p>
+          <a:p>
+            <a:endParaRPr lang="en-US" altLang="ko-KR" dirty="0">
+              <a:solidFill>
+                <a:srgbClr val="333333"/>
+              </a:solidFill>
+              <a:latin typeface="Noto Sans KR"/>
+              <a:cs typeface="times" panose="02020603050405020304" pitchFamily="18" charset="0"/>
+            </a:endParaRPr>
+          </a:p>
+          <a:p>
+            <a:r>
+              <a:rPr lang="ko-KR" altLang="en-US" b="1" dirty="0">
+                <a:solidFill>
+                  <a:srgbClr val="333333"/>
+                </a:solidFill>
+                <a:latin typeface="Noto Sans KR"/>
+                <a:cs typeface="times" panose="02020603050405020304" pitchFamily="18" charset="0"/>
+              </a:rPr>
+              <a:t>결과 </a:t>
+            </a:r>
+            <a:r>
+              <a:rPr lang="en-US" altLang="ko-KR" b="1" dirty="0">
+                <a:solidFill>
+                  <a:srgbClr val="333333"/>
+                </a:solidFill>
+                <a:latin typeface="Noto Sans KR"/>
+                <a:cs typeface="times" panose="02020603050405020304" pitchFamily="18" charset="0"/>
+              </a:rPr>
+              <a:t>: </a:t>
+            </a:r>
+            <a:r>
+              <a:rPr lang="en-US" altLang="ko-KR" dirty="0" err="1">
+                <a:solidFill>
+                  <a:srgbClr val="333333"/>
+                </a:solidFill>
+                <a:latin typeface="Noto Sans KR"/>
+                <a:cs typeface="times" panose="02020603050405020304" pitchFamily="18" charset="0"/>
+              </a:rPr>
+              <a:t>MoCo</a:t>
+            </a:r>
+            <a:r>
+              <a:rPr lang="en-US" altLang="ko-KR" dirty="0">
+                <a:solidFill>
+                  <a:srgbClr val="333333"/>
+                </a:solidFill>
+                <a:latin typeface="Noto Sans KR"/>
+                <a:cs typeface="times" panose="02020603050405020304" pitchFamily="18" charset="0"/>
+              </a:rPr>
+              <a:t> can outperform its ImageNet supervised pre-training</a:t>
+            </a:r>
+          </a:p>
+        </p:txBody>
+      </p:sp>
+    </p:spTree>
+    <p:extLst>
+      <p:ext uri="{BB962C8B-B14F-4D97-AF65-F5344CB8AC3E}">
+        <p14:creationId xmlns:p14="http://schemas.microsoft.com/office/powerpoint/2010/main" val="2368154766"/>
+      </p:ext>
+    </p:extLst>
+  </p:cSld>
+  <p:clrMapOvr>
+    <a:masterClrMapping/>
+  </p:clrMapOvr>
+</p:sld>
+</file>
+
 <file path=ppt/slides/slide2.xml><?xml version="1.0" encoding="utf-8"?>
 <p:sld xmlns:a="http://schemas.openxmlformats.org/drawingml/2006/main" xmlns:r="http://schemas.openxmlformats.org/officeDocument/2006/relationships" xmlns:p="http://schemas.openxmlformats.org/presentationml/2006/main">
   <p:cSld>
@@ -7818,6 +9002,872 @@
     <p:extLst>
       <p:ext uri="{BB962C8B-B14F-4D97-AF65-F5344CB8AC3E}">
         <p14:creationId xmlns:p14="http://schemas.microsoft.com/office/powerpoint/2010/main" val="4188493614"/>
+      </p:ext>
+    </p:extLst>
+  </p:cSld>
+  <p:clrMapOvr>
+    <a:masterClrMapping/>
+  </p:clrMapOvr>
+</p:sld>
+</file>
+
+<file path=ppt/slides/slide9.xml><?xml version="1.0" encoding="utf-8"?>
+<p:sld xmlns:a="http://schemas.openxmlformats.org/drawingml/2006/main" xmlns:r="http://schemas.openxmlformats.org/officeDocument/2006/relationships" xmlns:p="http://schemas.openxmlformats.org/presentationml/2006/main">
+  <p:cSld>
+    <p:spTree>
+      <p:nvGrpSpPr>
+        <p:cNvPr id="1" name=""/>
+        <p:cNvGrpSpPr/>
+        <p:nvPr/>
+      </p:nvGrpSpPr>
+      <p:grpSpPr>
+        <a:xfrm>
+          <a:off x="0" y="0"/>
+          <a:ext cx="0" cy="0"/>
+          <a:chOff x="0" y="0"/>
+          <a:chExt cx="0" cy="0"/>
+        </a:xfrm>
+      </p:grpSpPr>
+      <p:sp>
+        <p:nvSpPr>
+          <p:cNvPr id="4" name="제목 1">
+            <a:extLst>
+              <a:ext uri="{FF2B5EF4-FFF2-40B4-BE49-F238E27FC236}">
+                <a16:creationId xmlns:a16="http://schemas.microsoft.com/office/drawing/2014/main" id="{FCE8F1B0-037E-00D2-0364-CAD8CE062417}"/>
+              </a:ext>
+            </a:extLst>
+          </p:cNvPr>
+          <p:cNvSpPr>
+            <a:spLocks noGrp="1"/>
+          </p:cNvSpPr>
+          <p:nvPr>
+            <p:ph type="title"/>
+          </p:nvPr>
+        </p:nvSpPr>
+        <p:spPr>
+          <a:xfrm>
+            <a:off x="838200" y="-52715"/>
+            <a:ext cx="10515600" cy="1325563"/>
+          </a:xfrm>
+        </p:spPr>
+        <p:txBody>
+          <a:bodyPr>
+            <a:normAutofit/>
+          </a:bodyPr>
+          <a:lstStyle/>
+          <a:p>
+            <a:r>
+              <a:rPr lang="en-US" altLang="ko-KR" sz="3600" dirty="0">
+                <a:solidFill>
+                  <a:srgbClr val="A33B39"/>
+                </a:solidFill>
+                <a:latin typeface="Times New Roman" panose="02020603050405020304" pitchFamily="18" charset="0"/>
+                <a:cs typeface="Times New Roman" panose="02020603050405020304" pitchFamily="18" charset="0"/>
+              </a:rPr>
+              <a:t>3. Experiment</a:t>
+            </a:r>
+            <a:endParaRPr lang="ko-KR" altLang="en-US" sz="3600" dirty="0">
+              <a:solidFill>
+                <a:srgbClr val="A33B39"/>
+              </a:solidFill>
+              <a:latin typeface="Times New Roman" panose="02020603050405020304" pitchFamily="18" charset="0"/>
+              <a:cs typeface="Times New Roman" panose="02020603050405020304" pitchFamily="18" charset="0"/>
+            </a:endParaRPr>
+          </a:p>
+        </p:txBody>
+      </p:sp>
+      <p:sp>
+        <p:nvSpPr>
+          <p:cNvPr id="10" name="슬라이드 번호 개체 틀 9">
+            <a:extLst>
+              <a:ext uri="{FF2B5EF4-FFF2-40B4-BE49-F238E27FC236}">
+                <a16:creationId xmlns:a16="http://schemas.microsoft.com/office/drawing/2014/main" id="{B787C8E3-76B4-A858-2D76-21A1B4C90E63}"/>
+              </a:ext>
+            </a:extLst>
+          </p:cNvPr>
+          <p:cNvSpPr>
+            <a:spLocks noGrp="1"/>
+          </p:cNvSpPr>
+          <p:nvPr>
+            <p:ph type="sldNum" sz="quarter" idx="12"/>
+          </p:nvPr>
+        </p:nvSpPr>
+        <p:spPr/>
+        <p:txBody>
+          <a:bodyPr/>
+          <a:lstStyle/>
+          <a:p>
+            <a:fld id="{C48A153A-77DF-4ABD-A042-8B9198E49268}" type="slidenum">
+              <a:rPr lang="ko-KR" altLang="en-US" smtClean="0"/>
+              <a:t>9</a:t>
+            </a:fld>
+            <a:endParaRPr lang="ko-KR" altLang="en-US"/>
+          </a:p>
+        </p:txBody>
+      </p:sp>
+      <p:sp>
+        <p:nvSpPr>
+          <p:cNvPr id="3" name="내용 개체 틀 2">
+            <a:extLst>
+              <a:ext uri="{FF2B5EF4-FFF2-40B4-BE49-F238E27FC236}">
+                <a16:creationId xmlns:a16="http://schemas.microsoft.com/office/drawing/2014/main" id="{BA40C316-7BCC-0201-CFA2-B305FDD30D89}"/>
+              </a:ext>
+            </a:extLst>
+          </p:cNvPr>
+          <p:cNvSpPr>
+            <a:spLocks noGrp="1"/>
+          </p:cNvSpPr>
+          <p:nvPr>
+            <p:ph idx="1"/>
+          </p:nvPr>
+        </p:nvSpPr>
+        <p:spPr>
+          <a:xfrm>
+            <a:off x="11106847" y="129602"/>
+            <a:ext cx="1028634" cy="1097956"/>
+          </a:xfrm>
+        </p:spPr>
+        <p:txBody>
+          <a:bodyPr>
+            <a:noAutofit/>
+          </a:bodyPr>
+          <a:lstStyle/>
+          <a:p>
+            <a:pPr marL="0" indent="0">
+              <a:spcBef>
+                <a:spcPts val="0"/>
+              </a:spcBef>
+              <a:buNone/>
+            </a:pPr>
+            <a:r>
+              <a:rPr lang="en-US" altLang="ko-KR" sz="1100" b="1" dirty="0">
+                <a:solidFill>
+                  <a:schemeClr val="bg2">
+                    <a:lumMod val="75000"/>
+                  </a:schemeClr>
+                </a:solidFill>
+                <a:latin typeface="Times New Roman" panose="02020603050405020304" pitchFamily="18" charset="0"/>
+                <a:cs typeface="Times New Roman" panose="02020603050405020304" pitchFamily="18" charset="0"/>
+              </a:rPr>
+              <a:t>0. </a:t>
+            </a:r>
+            <a:r>
+              <a:rPr lang="en-US" altLang="ko-KR" sz="1100" dirty="0">
+                <a:solidFill>
+                  <a:schemeClr val="bg2">
+                    <a:lumMod val="75000"/>
+                  </a:schemeClr>
+                </a:solidFill>
+                <a:latin typeface="Times New Roman" panose="02020603050405020304" pitchFamily="18" charset="0"/>
+                <a:cs typeface="Times New Roman" panose="02020603050405020304" pitchFamily="18" charset="0"/>
+              </a:rPr>
+              <a:t>Introduction</a:t>
+            </a:r>
+          </a:p>
+          <a:p>
+            <a:pPr marL="0" indent="0">
+              <a:spcBef>
+                <a:spcPts val="0"/>
+              </a:spcBef>
+              <a:buNone/>
+            </a:pPr>
+            <a:r>
+              <a:rPr lang="en-US" altLang="ko-KR" sz="1100" b="1" dirty="0">
+                <a:solidFill>
+                  <a:schemeClr val="bg2">
+                    <a:lumMod val="75000"/>
+                  </a:schemeClr>
+                </a:solidFill>
+                <a:latin typeface="Times New Roman" panose="02020603050405020304" pitchFamily="18" charset="0"/>
+                <a:cs typeface="Times New Roman" panose="02020603050405020304" pitchFamily="18" charset="0"/>
+              </a:rPr>
+              <a:t>1. </a:t>
+            </a:r>
+            <a:r>
+              <a:rPr lang="en-US" altLang="ko-KR" sz="1100" dirty="0">
+                <a:solidFill>
+                  <a:schemeClr val="bg2">
+                    <a:lumMod val="75000"/>
+                  </a:schemeClr>
+                </a:solidFill>
+                <a:latin typeface="Times New Roman" panose="02020603050405020304" pitchFamily="18" charset="0"/>
+                <a:cs typeface="Times New Roman" panose="02020603050405020304" pitchFamily="18" charset="0"/>
+              </a:rPr>
+              <a:t>Summary</a:t>
+            </a:r>
+          </a:p>
+          <a:p>
+            <a:pPr marL="0" indent="0">
+              <a:spcBef>
+                <a:spcPts val="0"/>
+              </a:spcBef>
+              <a:buNone/>
+            </a:pPr>
+            <a:r>
+              <a:rPr lang="en-US" altLang="ko-KR" sz="1100" b="1" dirty="0">
+                <a:solidFill>
+                  <a:schemeClr val="bg2">
+                    <a:lumMod val="75000"/>
+                  </a:schemeClr>
+                </a:solidFill>
+                <a:latin typeface="Times New Roman" panose="02020603050405020304" pitchFamily="18" charset="0"/>
+                <a:cs typeface="Times New Roman" panose="02020603050405020304" pitchFamily="18" charset="0"/>
+              </a:rPr>
+              <a:t>2. </a:t>
+            </a:r>
+            <a:r>
+              <a:rPr lang="en-US" altLang="ko-KR" sz="1100" dirty="0">
+                <a:solidFill>
+                  <a:schemeClr val="bg2">
+                    <a:lumMod val="75000"/>
+                  </a:schemeClr>
+                </a:solidFill>
+                <a:latin typeface="Times New Roman" panose="02020603050405020304" pitchFamily="18" charset="0"/>
+                <a:cs typeface="Times New Roman" panose="02020603050405020304" pitchFamily="18" charset="0"/>
+              </a:rPr>
+              <a:t>Method</a:t>
+            </a:r>
+          </a:p>
+          <a:p>
+            <a:pPr marL="0" indent="0">
+              <a:spcBef>
+                <a:spcPts val="0"/>
+              </a:spcBef>
+              <a:buNone/>
+            </a:pPr>
+            <a:r>
+              <a:rPr lang="en-US" altLang="ko-KR" sz="1100" b="1" dirty="0">
+                <a:solidFill>
+                  <a:srgbClr val="A33B39"/>
+                </a:solidFill>
+                <a:latin typeface="Times New Roman" panose="02020603050405020304" pitchFamily="18" charset="0"/>
+                <a:cs typeface="Times New Roman" panose="02020603050405020304" pitchFamily="18" charset="0"/>
+              </a:rPr>
+              <a:t>3. </a:t>
+            </a:r>
+            <a:r>
+              <a:rPr lang="en-US" altLang="ko-KR" sz="1100" dirty="0">
+                <a:latin typeface="Times New Roman" panose="02020603050405020304" pitchFamily="18" charset="0"/>
+                <a:cs typeface="Times New Roman" panose="02020603050405020304" pitchFamily="18" charset="0"/>
+              </a:rPr>
+              <a:t>Experiment</a:t>
+            </a:r>
+          </a:p>
+          <a:p>
+            <a:pPr marL="0" indent="0">
+              <a:spcBef>
+                <a:spcPts val="0"/>
+              </a:spcBef>
+              <a:buNone/>
+            </a:pPr>
+            <a:endParaRPr lang="en-US" altLang="ko-KR" sz="1100" dirty="0">
+              <a:solidFill>
+                <a:schemeClr val="bg2">
+                  <a:lumMod val="75000"/>
+                </a:schemeClr>
+              </a:solidFill>
+              <a:latin typeface="Times New Roman" panose="02020603050405020304" pitchFamily="18" charset="0"/>
+              <a:cs typeface="Times New Roman" panose="02020603050405020304" pitchFamily="18" charset="0"/>
+            </a:endParaRPr>
+          </a:p>
+        </p:txBody>
+      </p:sp>
+      <p:sp>
+        <p:nvSpPr>
+          <p:cNvPr id="8" name="TextBox 7">
+            <a:extLst>
+              <a:ext uri="{FF2B5EF4-FFF2-40B4-BE49-F238E27FC236}">
+                <a16:creationId xmlns:a16="http://schemas.microsoft.com/office/drawing/2014/main" id="{7E229F6A-4018-21E9-F38C-31B77C89F95B}"/>
+              </a:ext>
+            </a:extLst>
+          </p:cNvPr>
+          <p:cNvSpPr txBox="1"/>
+          <p:nvPr/>
+        </p:nvSpPr>
+        <p:spPr>
+          <a:xfrm>
+            <a:off x="838200" y="865149"/>
+            <a:ext cx="6094990" cy="369332"/>
+          </a:xfrm>
+          <a:prstGeom prst="rect">
+            <a:avLst/>
+          </a:prstGeom>
+          <a:noFill/>
+        </p:spPr>
+        <p:txBody>
+          <a:bodyPr wrap="square">
+            <a:spAutoFit/>
+          </a:bodyPr>
+          <a:lstStyle/>
+          <a:p>
+            <a:r>
+              <a:rPr lang="en-US" altLang="ko-KR" dirty="0" err="1">
+                <a:solidFill>
+                  <a:srgbClr val="A33B39"/>
+                </a:solidFill>
+                <a:latin typeface="times" panose="02020603050405020304" pitchFamily="18" charset="0"/>
+                <a:cs typeface="times" panose="02020603050405020304" pitchFamily="18" charset="0"/>
+              </a:rPr>
+              <a:t>MoCo</a:t>
+            </a:r>
+            <a:endParaRPr lang="ko-KR" altLang="en-US" dirty="0">
+              <a:solidFill>
+                <a:srgbClr val="A33B39"/>
+              </a:solidFill>
+              <a:latin typeface="times" panose="02020603050405020304" pitchFamily="18" charset="0"/>
+              <a:cs typeface="times" panose="02020603050405020304" pitchFamily="18" charset="0"/>
+            </a:endParaRPr>
+          </a:p>
+        </p:txBody>
+      </p:sp>
+      <p:sp>
+        <p:nvSpPr>
+          <p:cNvPr id="2" name="내용 개체 틀 2">
+            <a:extLst>
+              <a:ext uri="{FF2B5EF4-FFF2-40B4-BE49-F238E27FC236}">
+                <a16:creationId xmlns:a16="http://schemas.microsoft.com/office/drawing/2014/main" id="{3B1E70C7-5741-4F13-AF7C-E6F310C642B7}"/>
+              </a:ext>
+            </a:extLst>
+          </p:cNvPr>
+          <p:cNvSpPr txBox="1">
+            <a:spLocks/>
+          </p:cNvSpPr>
+          <p:nvPr/>
+        </p:nvSpPr>
+        <p:spPr>
+          <a:xfrm>
+            <a:off x="652677" y="1804591"/>
+            <a:ext cx="10968487" cy="4320651"/>
+          </a:xfrm>
+          <a:prstGeom prst="rect">
+            <a:avLst/>
+          </a:prstGeom>
+        </p:spPr>
+        <p:txBody>
+          <a:bodyPr vert="horz" lIns="91440" tIns="45720" rIns="91440" bIns="45720" rtlCol="0">
+            <a:normAutofit/>
+          </a:bodyPr>
+          <a:lstStyle>
+            <a:lvl1pPr marL="228600" indent="-228600" algn="l" defTabSz="914400" rtl="0" eaLnBrk="1" latinLnBrk="1" hangingPunct="1">
+              <a:lnSpc>
+                <a:spcPct val="90000"/>
+              </a:lnSpc>
+              <a:spcBef>
+                <a:spcPts val="1000"/>
+              </a:spcBef>
+              <a:buFont typeface="Arial" panose="020B0604020202020204" pitchFamily="34" charset="0"/>
+              <a:buChar char="•"/>
+              <a:defRPr sz="2800" kern="1200">
+                <a:solidFill>
+                  <a:schemeClr val="tx1"/>
+                </a:solidFill>
+                <a:latin typeface="+mn-lt"/>
+                <a:ea typeface="+mn-ea"/>
+                <a:cs typeface="+mn-cs"/>
+              </a:defRPr>
+            </a:lvl1pPr>
+            <a:lvl2pPr marL="685800" indent="-228600" algn="l" defTabSz="914400" rtl="0" eaLnBrk="1" latinLnBrk="1" hangingPunct="1">
+              <a:lnSpc>
+                <a:spcPct val="90000"/>
+              </a:lnSpc>
+              <a:spcBef>
+                <a:spcPts val="500"/>
+              </a:spcBef>
+              <a:buFont typeface="Arial" panose="020B0604020202020204" pitchFamily="34" charset="0"/>
+              <a:buChar char="•"/>
+              <a:defRPr sz="2400" kern="1200">
+                <a:solidFill>
+                  <a:schemeClr val="tx1"/>
+                </a:solidFill>
+                <a:latin typeface="+mn-lt"/>
+                <a:ea typeface="+mn-ea"/>
+                <a:cs typeface="+mn-cs"/>
+              </a:defRPr>
+            </a:lvl2pPr>
+            <a:lvl3pPr marL="1143000" indent="-228600" algn="l" defTabSz="914400" rtl="0" eaLnBrk="1" latinLnBrk="1" hangingPunct="1">
+              <a:lnSpc>
+                <a:spcPct val="90000"/>
+              </a:lnSpc>
+              <a:spcBef>
+                <a:spcPts val="500"/>
+              </a:spcBef>
+              <a:buFont typeface="Arial" panose="020B0604020202020204" pitchFamily="34" charset="0"/>
+              <a:buChar char="•"/>
+              <a:defRPr sz="2000" kern="1200">
+                <a:solidFill>
+                  <a:schemeClr val="tx1"/>
+                </a:solidFill>
+                <a:latin typeface="+mn-lt"/>
+                <a:ea typeface="+mn-ea"/>
+                <a:cs typeface="+mn-cs"/>
+              </a:defRPr>
+            </a:lvl3pPr>
+            <a:lvl4pPr marL="1600200" indent="-228600" algn="l" defTabSz="914400" rtl="0" eaLnBrk="1" latinLnBrk="1" hangingPunct="1">
+              <a:lnSpc>
+                <a:spcPct val="90000"/>
+              </a:lnSpc>
+              <a:spcBef>
+                <a:spcPts val="500"/>
+              </a:spcBef>
+              <a:buFont typeface="Arial" panose="020B0604020202020204" pitchFamily="34" charset="0"/>
+              <a:buChar char="•"/>
+              <a:defRPr sz="1800" kern="1200">
+                <a:solidFill>
+                  <a:schemeClr val="tx1"/>
+                </a:solidFill>
+                <a:latin typeface="+mn-lt"/>
+                <a:ea typeface="+mn-ea"/>
+                <a:cs typeface="+mn-cs"/>
+              </a:defRPr>
+            </a:lvl4pPr>
+            <a:lvl5pPr marL="2057400" indent="-228600" algn="l" defTabSz="914400" rtl="0" eaLnBrk="1" latinLnBrk="1" hangingPunct="1">
+              <a:lnSpc>
+                <a:spcPct val="90000"/>
+              </a:lnSpc>
+              <a:spcBef>
+                <a:spcPts val="500"/>
+              </a:spcBef>
+              <a:buFont typeface="Arial" panose="020B0604020202020204" pitchFamily="34" charset="0"/>
+              <a:buChar char="•"/>
+              <a:defRPr sz="1800" kern="1200">
+                <a:solidFill>
+                  <a:schemeClr val="tx1"/>
+                </a:solidFill>
+                <a:latin typeface="+mn-lt"/>
+                <a:ea typeface="+mn-ea"/>
+                <a:cs typeface="+mn-cs"/>
+              </a:defRPr>
+            </a:lvl5pPr>
+            <a:lvl6pPr marL="2514600" indent="-228600" algn="l" defTabSz="914400" rtl="0" eaLnBrk="1" latinLnBrk="1" hangingPunct="1">
+              <a:lnSpc>
+                <a:spcPct val="90000"/>
+              </a:lnSpc>
+              <a:spcBef>
+                <a:spcPts val="500"/>
+              </a:spcBef>
+              <a:buFont typeface="Arial" panose="020B0604020202020204" pitchFamily="34" charset="0"/>
+              <a:buChar char="•"/>
+              <a:defRPr sz="1800" kern="1200">
+                <a:solidFill>
+                  <a:schemeClr val="tx1"/>
+                </a:solidFill>
+                <a:latin typeface="+mn-lt"/>
+                <a:ea typeface="+mn-ea"/>
+                <a:cs typeface="+mn-cs"/>
+              </a:defRPr>
+            </a:lvl6pPr>
+            <a:lvl7pPr marL="2971800" indent="-228600" algn="l" defTabSz="914400" rtl="0" eaLnBrk="1" latinLnBrk="1" hangingPunct="1">
+              <a:lnSpc>
+                <a:spcPct val="90000"/>
+              </a:lnSpc>
+              <a:spcBef>
+                <a:spcPts val="500"/>
+              </a:spcBef>
+              <a:buFont typeface="Arial" panose="020B0604020202020204" pitchFamily="34" charset="0"/>
+              <a:buChar char="•"/>
+              <a:defRPr sz="1800" kern="1200">
+                <a:solidFill>
+                  <a:schemeClr val="tx1"/>
+                </a:solidFill>
+                <a:latin typeface="+mn-lt"/>
+                <a:ea typeface="+mn-ea"/>
+                <a:cs typeface="+mn-cs"/>
+              </a:defRPr>
+            </a:lvl7pPr>
+            <a:lvl8pPr marL="3429000" indent="-228600" algn="l" defTabSz="914400" rtl="0" eaLnBrk="1" latinLnBrk="1" hangingPunct="1">
+              <a:lnSpc>
+                <a:spcPct val="90000"/>
+              </a:lnSpc>
+              <a:spcBef>
+                <a:spcPts val="500"/>
+              </a:spcBef>
+              <a:buFont typeface="Arial" panose="020B0604020202020204" pitchFamily="34" charset="0"/>
+              <a:buChar char="•"/>
+              <a:defRPr sz="1800" kern="1200">
+                <a:solidFill>
+                  <a:schemeClr val="tx1"/>
+                </a:solidFill>
+                <a:latin typeface="+mn-lt"/>
+                <a:ea typeface="+mn-ea"/>
+                <a:cs typeface="+mn-cs"/>
+              </a:defRPr>
+            </a:lvl8pPr>
+            <a:lvl9pPr marL="3886200" indent="-228600" algn="l" defTabSz="914400" rtl="0" eaLnBrk="1" latinLnBrk="1" hangingPunct="1">
+              <a:lnSpc>
+                <a:spcPct val="90000"/>
+              </a:lnSpc>
+              <a:spcBef>
+                <a:spcPts val="500"/>
+              </a:spcBef>
+              <a:buFont typeface="Arial" panose="020B0604020202020204" pitchFamily="34" charset="0"/>
+              <a:buChar char="•"/>
+              <a:defRPr sz="1800" kern="1200">
+                <a:solidFill>
+                  <a:schemeClr val="tx1"/>
+                </a:solidFill>
+                <a:latin typeface="+mn-lt"/>
+                <a:ea typeface="+mn-ea"/>
+                <a:cs typeface="+mn-cs"/>
+              </a:defRPr>
+            </a:lvl9pPr>
+          </a:lstStyle>
+          <a:p>
+            <a:pPr marL="0" indent="0">
+              <a:buFont typeface="Arial" panose="020B0604020202020204" pitchFamily="34" charset="0"/>
+              <a:buNone/>
+            </a:pPr>
+            <a:r>
+              <a:rPr lang="en-US" altLang="ko-KR" dirty="0">
+                <a:solidFill>
+                  <a:srgbClr val="A33B39"/>
+                </a:solidFill>
+                <a:latin typeface="Times New Roman" panose="02020603050405020304" pitchFamily="18" charset="0"/>
+                <a:cs typeface="Times New Roman" panose="02020603050405020304" pitchFamily="18" charset="0"/>
+              </a:rPr>
+              <a:t>1.</a:t>
+            </a:r>
+            <a:r>
+              <a:rPr lang="en-US" altLang="ko-KR" dirty="0">
+                <a:latin typeface="Times New Roman" panose="02020603050405020304" pitchFamily="18" charset="0"/>
+                <a:cs typeface="Times New Roman" panose="02020603050405020304" pitchFamily="18" charset="0"/>
+              </a:rPr>
+              <a:t> Linear Classification Protocol</a:t>
+            </a:r>
+          </a:p>
+          <a:p>
+            <a:pPr marL="0" indent="0">
+              <a:buFont typeface="Arial" panose="020B0604020202020204" pitchFamily="34" charset="0"/>
+              <a:buNone/>
+            </a:pPr>
+            <a:endParaRPr lang="en-US" altLang="ko-KR" dirty="0">
+              <a:latin typeface="Times New Roman" panose="02020603050405020304" pitchFamily="18" charset="0"/>
+              <a:cs typeface="Times New Roman" panose="02020603050405020304" pitchFamily="18" charset="0"/>
+            </a:endParaRPr>
+          </a:p>
+        </p:txBody>
+      </p:sp>
+      <p:sp>
+        <p:nvSpPr>
+          <p:cNvPr id="5" name="TextBox 4">
+            <a:extLst>
+              <a:ext uri="{FF2B5EF4-FFF2-40B4-BE49-F238E27FC236}">
+                <a16:creationId xmlns:a16="http://schemas.microsoft.com/office/drawing/2014/main" id="{58A51ECF-7AE1-BC66-3520-E13C76521175}"/>
+              </a:ext>
+            </a:extLst>
+          </p:cNvPr>
+          <p:cNvSpPr txBox="1"/>
+          <p:nvPr/>
+        </p:nvSpPr>
+        <p:spPr>
+          <a:xfrm>
+            <a:off x="652676" y="2669364"/>
+            <a:ext cx="10744017" cy="3139321"/>
+          </a:xfrm>
+          <a:prstGeom prst="rect">
+            <a:avLst/>
+          </a:prstGeom>
+          <a:noFill/>
+        </p:spPr>
+        <p:txBody>
+          <a:bodyPr wrap="square">
+            <a:spAutoFit/>
+          </a:bodyPr>
+          <a:lstStyle/>
+          <a:p>
+            <a:r>
+              <a:rPr lang="en-US" altLang="ko-KR" dirty="0">
+                <a:solidFill>
+                  <a:srgbClr val="333333"/>
+                </a:solidFill>
+                <a:latin typeface="time"/>
+                <a:cs typeface="times" panose="02020603050405020304" pitchFamily="18" charset="0"/>
+              </a:rPr>
+              <a:t>ImageNet-1M</a:t>
+            </a:r>
+            <a:r>
+              <a:rPr lang="ko-KR" altLang="en-US" dirty="0">
+                <a:solidFill>
+                  <a:srgbClr val="333333"/>
+                </a:solidFill>
+                <a:latin typeface="time"/>
+                <a:cs typeface="times" panose="02020603050405020304" pitchFamily="18" charset="0"/>
+              </a:rPr>
+              <a:t>에서 </a:t>
+            </a:r>
+            <a:r>
+              <a:rPr lang="en-US" altLang="ko-KR" dirty="0">
+                <a:solidFill>
+                  <a:srgbClr val="333333"/>
+                </a:solidFill>
+                <a:latin typeface="time"/>
+                <a:cs typeface="times" panose="02020603050405020304" pitchFamily="18" charset="0"/>
+              </a:rPr>
+              <a:t>unsupervised pre-training </a:t>
+            </a:r>
+            <a:r>
+              <a:rPr lang="ko-KR" altLang="en-US" dirty="0">
+                <a:solidFill>
+                  <a:srgbClr val="333333"/>
+                </a:solidFill>
+                <a:latin typeface="time"/>
+                <a:cs typeface="times" panose="02020603050405020304" pitchFamily="18" charset="0"/>
+              </a:rPr>
+              <a:t>후 </a:t>
+            </a:r>
+            <a:r>
+              <a:rPr lang="en-US" altLang="ko-KR" dirty="0">
+                <a:solidFill>
+                  <a:srgbClr val="333333"/>
+                </a:solidFill>
+                <a:latin typeface="time"/>
+                <a:cs typeface="times" panose="02020603050405020304" pitchFamily="18" charset="0"/>
+              </a:rPr>
+              <a:t>features</a:t>
+            </a:r>
+            <a:r>
+              <a:rPr lang="ko-KR" altLang="en-US" dirty="0">
+                <a:solidFill>
+                  <a:srgbClr val="333333"/>
+                </a:solidFill>
+                <a:latin typeface="time"/>
+                <a:cs typeface="times" panose="02020603050405020304" pitchFamily="18" charset="0"/>
+              </a:rPr>
+              <a:t>를 </a:t>
+            </a:r>
+            <a:r>
+              <a:rPr lang="en-US" altLang="ko-KR" dirty="0">
+                <a:solidFill>
+                  <a:srgbClr val="333333"/>
+                </a:solidFill>
+                <a:latin typeface="time"/>
+                <a:cs typeface="times" panose="02020603050405020304" pitchFamily="18" charset="0"/>
+              </a:rPr>
+              <a:t>freeze, train supervised linear classifier (a fully-connected layer followed by </a:t>
+            </a:r>
+            <a:r>
+              <a:rPr lang="en-US" altLang="ko-KR" dirty="0" err="1">
+                <a:solidFill>
+                  <a:srgbClr val="333333"/>
+                </a:solidFill>
+                <a:latin typeface="time"/>
+                <a:cs typeface="times" panose="02020603050405020304" pitchFamily="18" charset="0"/>
+              </a:rPr>
+              <a:t>softmax</a:t>
+            </a:r>
+            <a:r>
+              <a:rPr lang="en-US" altLang="ko-KR" dirty="0">
+                <a:solidFill>
+                  <a:srgbClr val="333333"/>
+                </a:solidFill>
+                <a:latin typeface="time"/>
+                <a:cs typeface="times" panose="02020603050405020304" pitchFamily="18" charset="0"/>
+              </a:rPr>
+              <a:t>)</a:t>
+            </a:r>
+          </a:p>
+          <a:p>
+            <a:endParaRPr lang="en-US" altLang="ko-KR" dirty="0">
+              <a:solidFill>
+                <a:srgbClr val="333333"/>
+              </a:solidFill>
+              <a:latin typeface="Noto Sans KR"/>
+              <a:cs typeface="times" panose="02020603050405020304" pitchFamily="18" charset="0"/>
+            </a:endParaRPr>
+          </a:p>
+          <a:p>
+            <a:r>
+              <a:rPr lang="en-US" altLang="ko-KR" b="1" dirty="0">
+                <a:solidFill>
+                  <a:srgbClr val="333333"/>
+                </a:solidFill>
+                <a:latin typeface="Noto Sans KR"/>
+                <a:cs typeface="times" panose="02020603050405020304" pitchFamily="18" charset="0"/>
+              </a:rPr>
+              <a:t>Ablation: contrastive loss mechanisms</a:t>
+            </a:r>
+          </a:p>
+          <a:p>
+            <a:r>
+              <a:rPr lang="en-US" altLang="ko-KR" dirty="0">
+                <a:solidFill>
+                  <a:srgbClr val="333333"/>
+                </a:solidFill>
+                <a:latin typeface="Noto Sans KR"/>
+                <a:cs typeface="times" panose="02020603050405020304" pitchFamily="18" charset="0"/>
+              </a:rPr>
+              <a:t>end to end</a:t>
+            </a:r>
+            <a:r>
+              <a:rPr lang="ko-KR" altLang="en-US" dirty="0">
+                <a:solidFill>
+                  <a:srgbClr val="333333"/>
+                </a:solidFill>
+                <a:latin typeface="Noto Sans KR"/>
+                <a:cs typeface="times" panose="02020603050405020304" pitchFamily="18" charset="0"/>
+              </a:rPr>
+              <a:t>와 </a:t>
+            </a:r>
+            <a:r>
+              <a:rPr lang="en-US" altLang="ko-KR" dirty="0">
+                <a:solidFill>
+                  <a:srgbClr val="333333"/>
+                </a:solidFill>
+                <a:latin typeface="Noto Sans KR"/>
+                <a:cs typeface="times" panose="02020603050405020304" pitchFamily="18" charset="0"/>
+              </a:rPr>
+              <a:t>memory bank(</a:t>
+            </a:r>
+            <a:r>
+              <a:rPr lang="en-US" altLang="ko-KR" dirty="0" err="1">
+                <a:solidFill>
+                  <a:srgbClr val="333333"/>
+                </a:solidFill>
+                <a:latin typeface="Noto Sans KR"/>
+                <a:cs typeface="times" panose="02020603050405020304" pitchFamily="18" charset="0"/>
+              </a:rPr>
+              <a:t>npid</a:t>
+            </a:r>
+            <a:r>
+              <a:rPr lang="en-US" altLang="ko-KR" dirty="0">
+                <a:solidFill>
+                  <a:srgbClr val="333333"/>
+                </a:solidFill>
+                <a:latin typeface="Noto Sans KR"/>
+                <a:cs typeface="times" panose="02020603050405020304" pitchFamily="18" charset="0"/>
+              </a:rPr>
+              <a:t>)</a:t>
+            </a:r>
+            <a:r>
+              <a:rPr lang="ko-KR" altLang="en-US" dirty="0">
+                <a:solidFill>
+                  <a:srgbClr val="333333"/>
+                </a:solidFill>
+                <a:latin typeface="Noto Sans KR"/>
+                <a:cs typeface="times" panose="02020603050405020304" pitchFamily="18" charset="0"/>
+              </a:rPr>
+              <a:t>보다 성능이 좋았다</a:t>
+            </a:r>
+            <a:endParaRPr lang="en-US" altLang="ko-KR" dirty="0">
+              <a:solidFill>
+                <a:srgbClr val="333333"/>
+              </a:solidFill>
+              <a:latin typeface="Noto Sans KR"/>
+              <a:cs typeface="times" panose="02020603050405020304" pitchFamily="18" charset="0"/>
+            </a:endParaRPr>
+          </a:p>
+          <a:p>
+            <a:endParaRPr lang="en-US" altLang="ko-KR" b="1" dirty="0">
+              <a:solidFill>
+                <a:srgbClr val="333333"/>
+              </a:solidFill>
+              <a:latin typeface="Noto Sans KR"/>
+              <a:cs typeface="times" panose="02020603050405020304" pitchFamily="18" charset="0"/>
+            </a:endParaRPr>
+          </a:p>
+          <a:p>
+            <a:r>
+              <a:rPr lang="en-US" altLang="ko-KR" b="1" dirty="0">
+                <a:solidFill>
+                  <a:srgbClr val="333333"/>
+                </a:solidFill>
+                <a:latin typeface="Noto Sans KR"/>
+                <a:cs typeface="times" panose="02020603050405020304" pitchFamily="18" charset="0"/>
+              </a:rPr>
+              <a:t>Ablation: momentum</a:t>
+            </a:r>
+          </a:p>
+          <a:p>
+            <a:r>
+              <a:rPr lang="en-US" altLang="ko-KR" dirty="0">
+                <a:solidFill>
+                  <a:srgbClr val="333333"/>
+                </a:solidFill>
+                <a:latin typeface="Noto Sans KR"/>
+                <a:cs typeface="times" panose="02020603050405020304" pitchFamily="18" charset="0"/>
+              </a:rPr>
+              <a:t>M = 0.999</a:t>
+            </a:r>
+            <a:r>
+              <a:rPr lang="ko-KR" altLang="en-US" dirty="0">
+                <a:solidFill>
+                  <a:srgbClr val="333333"/>
+                </a:solidFill>
+                <a:latin typeface="Noto Sans KR"/>
+                <a:cs typeface="times" panose="02020603050405020304" pitchFamily="18" charset="0"/>
+              </a:rPr>
+              <a:t>에서 성능이 좋았다</a:t>
+            </a:r>
+            <a:endParaRPr lang="en-US" altLang="ko-KR" dirty="0">
+              <a:solidFill>
+                <a:srgbClr val="333333"/>
+              </a:solidFill>
+              <a:latin typeface="Noto Sans KR"/>
+              <a:cs typeface="times" panose="02020603050405020304" pitchFamily="18" charset="0"/>
+            </a:endParaRPr>
+          </a:p>
+          <a:p>
+            <a:endParaRPr lang="en-US" altLang="ko-KR" dirty="0">
+              <a:solidFill>
+                <a:srgbClr val="333333"/>
+              </a:solidFill>
+              <a:latin typeface="Noto Sans KR"/>
+              <a:cs typeface="times" panose="02020603050405020304" pitchFamily="18" charset="0"/>
+            </a:endParaRPr>
+          </a:p>
+          <a:p>
+            <a:endParaRPr lang="en-US" altLang="ko-KR" dirty="0">
+              <a:solidFill>
+                <a:srgbClr val="333333"/>
+              </a:solidFill>
+              <a:latin typeface="Noto Sans KR"/>
+              <a:cs typeface="times" panose="02020603050405020304" pitchFamily="18" charset="0"/>
+            </a:endParaRPr>
+          </a:p>
+          <a:p>
+            <a:endParaRPr lang="en-US" altLang="ko-KR" dirty="0">
+              <a:solidFill>
+                <a:srgbClr val="333333"/>
+              </a:solidFill>
+              <a:latin typeface="Noto Sans KR"/>
+              <a:cs typeface="times" panose="02020603050405020304" pitchFamily="18" charset="0"/>
+            </a:endParaRPr>
+          </a:p>
+        </p:txBody>
+      </p:sp>
+      <p:pic>
+        <p:nvPicPr>
+          <p:cNvPr id="7" name="그림 6">
+            <a:extLst>
+              <a:ext uri="{FF2B5EF4-FFF2-40B4-BE49-F238E27FC236}">
+                <a16:creationId xmlns:a16="http://schemas.microsoft.com/office/drawing/2014/main" id="{13A06966-19AA-0834-860A-446A90D0B2A0}"/>
+              </a:ext>
+            </a:extLst>
+          </p:cNvPr>
+          <p:cNvPicPr>
+            <a:picLocks noChangeAspect="1"/>
+          </p:cNvPicPr>
+          <p:nvPr/>
+        </p:nvPicPr>
+        <p:blipFill>
+          <a:blip r:embed="rId3"/>
+          <a:stretch>
+            <a:fillRect/>
+          </a:stretch>
+        </p:blipFill>
+        <p:spPr>
+          <a:xfrm>
+            <a:off x="3962629" y="4493858"/>
+            <a:ext cx="3057008" cy="410482"/>
+          </a:xfrm>
+          <a:prstGeom prst="rect">
+            <a:avLst/>
+          </a:prstGeom>
+        </p:spPr>
+      </p:pic>
+    </p:spTree>
+    <p:extLst>
+      <p:ext uri="{BB962C8B-B14F-4D97-AF65-F5344CB8AC3E}">
+        <p14:creationId xmlns:p14="http://schemas.microsoft.com/office/powerpoint/2010/main" val="3396133691"/>
       </p:ext>
     </p:extLst>
   </p:cSld>
